--- a/Presentation.pptx
+++ b/Presentation.pptx
@@ -4195,6 +4195,13 @@
         </dgm:presLayoutVars>
       </dgm:prSet>
       <dgm:spPr/>
+      <dgm:t>
+        <a:bodyPr/>
+        <a:lstStyle/>
+        <a:p>
+          <a:endParaRPr lang="en-US"/>
+        </a:p>
+      </dgm:t>
     </dgm:pt>
     <dgm:pt modelId="{62FA71FB-EDA7-5045-8B98-1AF02A33D2C4}" type="pres">
       <dgm:prSet presAssocID="{98DCDF06-55A1-4B45-B0B3-AF85D2429272}" presName="node" presStyleLbl="node1" presStyleIdx="0" presStyleCnt="7" custRadScaleRad="99710" custRadScaleInc="358">
@@ -4218,6 +4225,13 @@
     <dgm:pt modelId="{06BF9122-3BBE-D84F-BC2A-023F259301BF}" type="pres">
       <dgm:prSet presAssocID="{789EA224-C715-184B-AD8D-42456CB864F1}" presName="sibTrans" presStyleLbl="sibTrans1D1" presStyleIdx="0" presStyleCnt="7"/>
       <dgm:spPr/>
+      <dgm:t>
+        <a:bodyPr/>
+        <a:lstStyle/>
+        <a:p>
+          <a:endParaRPr lang="en-US"/>
+        </a:p>
+      </dgm:t>
     </dgm:pt>
     <dgm:pt modelId="{D5557809-75F5-E34B-9314-4A893972A7C3}" type="pres">
       <dgm:prSet presAssocID="{652F2F64-6271-654F-BE3C-01D4BA5391ED}" presName="node" presStyleLbl="node1" presStyleIdx="1" presStyleCnt="7">
@@ -4241,6 +4255,13 @@
     <dgm:pt modelId="{A710B019-C9B4-2440-AC45-35CCBC9C5B9F}" type="pres">
       <dgm:prSet presAssocID="{6BD502E4-B8AD-D24F-824B-414B3833277B}" presName="sibTrans" presStyleLbl="sibTrans1D1" presStyleIdx="1" presStyleCnt="7"/>
       <dgm:spPr/>
+      <dgm:t>
+        <a:bodyPr/>
+        <a:lstStyle/>
+        <a:p>
+          <a:endParaRPr lang="en-US"/>
+        </a:p>
+      </dgm:t>
     </dgm:pt>
     <dgm:pt modelId="{E4B851CE-5634-5B47-B215-0635E6A348E3}" type="pres">
       <dgm:prSet presAssocID="{2BDF58B0-02F2-2547-BEB8-F40B1023029B}" presName="node" presStyleLbl="node1" presStyleIdx="2" presStyleCnt="7">
@@ -4249,6 +4270,13 @@
         </dgm:presLayoutVars>
       </dgm:prSet>
       <dgm:spPr/>
+      <dgm:t>
+        <a:bodyPr/>
+        <a:lstStyle/>
+        <a:p>
+          <a:endParaRPr lang="en-US"/>
+        </a:p>
+      </dgm:t>
     </dgm:pt>
     <dgm:pt modelId="{0447FCD7-608E-E248-A693-F457361464CD}" type="pres">
       <dgm:prSet presAssocID="{2BDF58B0-02F2-2547-BEB8-F40B1023029B}" presName="spNode" presStyleCnt="0"/>
@@ -4257,6 +4285,13 @@
     <dgm:pt modelId="{9677C562-C0B9-F14E-A514-FEA08E2658E2}" type="pres">
       <dgm:prSet presAssocID="{935BD194-65C8-D94B-9A63-956741FC345C}" presName="sibTrans" presStyleLbl="sibTrans1D1" presStyleIdx="2" presStyleCnt="7"/>
       <dgm:spPr/>
+      <dgm:t>
+        <a:bodyPr/>
+        <a:lstStyle/>
+        <a:p>
+          <a:endParaRPr lang="en-US"/>
+        </a:p>
+      </dgm:t>
     </dgm:pt>
     <dgm:pt modelId="{C456D8BD-441D-F546-AE53-4CA4C54DC6C5}" type="pres">
       <dgm:prSet presAssocID="{8CEDAC9E-0139-B744-AE8E-9F8A19EADD24}" presName="node" presStyleLbl="node1" presStyleIdx="3" presStyleCnt="7">
@@ -4265,6 +4300,13 @@
         </dgm:presLayoutVars>
       </dgm:prSet>
       <dgm:spPr/>
+      <dgm:t>
+        <a:bodyPr/>
+        <a:lstStyle/>
+        <a:p>
+          <a:endParaRPr lang="en-US"/>
+        </a:p>
+      </dgm:t>
     </dgm:pt>
     <dgm:pt modelId="{624C66BD-48F9-D94B-ACCF-6F4C04F4AC2B}" type="pres">
       <dgm:prSet presAssocID="{8CEDAC9E-0139-B744-AE8E-9F8A19EADD24}" presName="spNode" presStyleCnt="0"/>
@@ -4273,6 +4315,13 @@
     <dgm:pt modelId="{78532C3A-E944-2347-9AF1-56512288FE8F}" type="pres">
       <dgm:prSet presAssocID="{284546D1-5E3E-414F-9DC4-B2E4E8EE64D4}" presName="sibTrans" presStyleLbl="sibTrans1D1" presStyleIdx="3" presStyleCnt="7"/>
       <dgm:spPr/>
+      <dgm:t>
+        <a:bodyPr/>
+        <a:lstStyle/>
+        <a:p>
+          <a:endParaRPr lang="en-US"/>
+        </a:p>
+      </dgm:t>
     </dgm:pt>
     <dgm:pt modelId="{CB670870-7B5D-374E-BA87-F0EE4C68B06E}" type="pres">
       <dgm:prSet presAssocID="{BEB21D71-A06F-A74B-9516-7E2370433538}" presName="node" presStyleLbl="node1" presStyleIdx="4" presStyleCnt="7">
@@ -4281,6 +4330,13 @@
         </dgm:presLayoutVars>
       </dgm:prSet>
       <dgm:spPr/>
+      <dgm:t>
+        <a:bodyPr/>
+        <a:lstStyle/>
+        <a:p>
+          <a:endParaRPr lang="en-US"/>
+        </a:p>
+      </dgm:t>
     </dgm:pt>
     <dgm:pt modelId="{AA38488A-CBF9-CD40-8D93-A272927E97DA}" type="pres">
       <dgm:prSet presAssocID="{BEB21D71-A06F-A74B-9516-7E2370433538}" presName="spNode" presStyleCnt="0"/>
@@ -4289,6 +4345,13 @@
     <dgm:pt modelId="{FFF90116-10B7-3D40-B803-4451AEA5BE13}" type="pres">
       <dgm:prSet presAssocID="{F7449D72-6E70-EA44-BF3B-BC34619971A0}" presName="sibTrans" presStyleLbl="sibTrans1D1" presStyleIdx="4" presStyleCnt="7"/>
       <dgm:spPr/>
+      <dgm:t>
+        <a:bodyPr/>
+        <a:lstStyle/>
+        <a:p>
+          <a:endParaRPr lang="en-US"/>
+        </a:p>
+      </dgm:t>
     </dgm:pt>
     <dgm:pt modelId="{50BFE882-9EDE-684E-8F5A-ED325875424D}" type="pres">
       <dgm:prSet presAssocID="{44A64B8B-76F8-DE42-A91C-A9258D72E60D}" presName="node" presStyleLbl="node1" presStyleIdx="5" presStyleCnt="7">
@@ -4297,6 +4360,13 @@
         </dgm:presLayoutVars>
       </dgm:prSet>
       <dgm:spPr/>
+      <dgm:t>
+        <a:bodyPr/>
+        <a:lstStyle/>
+        <a:p>
+          <a:endParaRPr lang="en-US"/>
+        </a:p>
+      </dgm:t>
     </dgm:pt>
     <dgm:pt modelId="{F39C0358-39F1-B842-A5E8-99E3F722E726}" type="pres">
       <dgm:prSet presAssocID="{44A64B8B-76F8-DE42-A91C-A9258D72E60D}" presName="spNode" presStyleCnt="0"/>
@@ -4305,6 +4375,13 @@
     <dgm:pt modelId="{33A2539F-8B65-ED47-A5ED-EB776E2E509B}" type="pres">
       <dgm:prSet presAssocID="{AFCDA469-835A-5B40-9BFB-F7FF0AE62044}" presName="sibTrans" presStyleLbl="sibTrans1D1" presStyleIdx="5" presStyleCnt="7"/>
       <dgm:spPr/>
+      <dgm:t>
+        <a:bodyPr/>
+        <a:lstStyle/>
+        <a:p>
+          <a:endParaRPr lang="en-US"/>
+        </a:p>
+      </dgm:t>
     </dgm:pt>
     <dgm:pt modelId="{DDF9ED4D-3818-E447-8635-92E8C05FD7F2}" type="pres">
       <dgm:prSet presAssocID="{755578C8-39C7-F84F-81E5-EDE23009DA12}" presName="node" presStyleLbl="node1" presStyleIdx="6" presStyleCnt="7">
@@ -4313,6 +4390,13 @@
         </dgm:presLayoutVars>
       </dgm:prSet>
       <dgm:spPr/>
+      <dgm:t>
+        <a:bodyPr/>
+        <a:lstStyle/>
+        <a:p>
+          <a:endParaRPr lang="en-US"/>
+        </a:p>
+      </dgm:t>
     </dgm:pt>
     <dgm:pt modelId="{6EFE87CD-82E5-3A42-ACFA-159B1335D74D}" type="pres">
       <dgm:prSet presAssocID="{755578C8-39C7-F84F-81E5-EDE23009DA12}" presName="spNode" presStyleCnt="0"/>
@@ -4321,31 +4405,38 @@
     <dgm:pt modelId="{83AC71DB-A5A1-4B47-A8AB-9F0C94838B62}" type="pres">
       <dgm:prSet presAssocID="{3F99AD3A-DF4C-5242-B389-4BD3EC782C9E}" presName="sibTrans" presStyleLbl="sibTrans1D1" presStyleIdx="6" presStyleCnt="7"/>
       <dgm:spPr/>
+      <dgm:t>
+        <a:bodyPr/>
+        <a:lstStyle/>
+        <a:p>
+          <a:endParaRPr lang="en-US"/>
+        </a:p>
+      </dgm:t>
     </dgm:pt>
   </dgm:ptLst>
   <dgm:cxnLst>
+    <dgm:cxn modelId="{29B6783A-EEFB-F842-9422-1444D69CD6B5}" type="presOf" srcId="{284546D1-5E3E-414F-9DC4-B2E4E8EE64D4}" destId="{78532C3A-E944-2347-9AF1-56512288FE8F}" srcOrd="0" destOrd="0" presId="urn:microsoft.com/office/officeart/2005/8/layout/cycle6"/>
+    <dgm:cxn modelId="{5633C62E-EB13-A747-8761-2FC3A4F548F4}" type="presOf" srcId="{98DCDF06-55A1-4B45-B0B3-AF85D2429272}" destId="{62FA71FB-EDA7-5045-8B98-1AF02A33D2C4}" srcOrd="0" destOrd="0" presId="urn:microsoft.com/office/officeart/2005/8/layout/cycle6"/>
+    <dgm:cxn modelId="{032A835A-C477-344D-A85E-38EFD8E83614}" type="presOf" srcId="{44A64B8B-76F8-DE42-A91C-A9258D72E60D}" destId="{50BFE882-9EDE-684E-8F5A-ED325875424D}" srcOrd="0" destOrd="0" presId="urn:microsoft.com/office/officeart/2005/8/layout/cycle6"/>
+    <dgm:cxn modelId="{1B82BD6A-6587-0E4A-8187-C5EA9523247E}" srcId="{BB710D46-AFD3-B142-B555-ADC3D4202413}" destId="{2BDF58B0-02F2-2547-BEB8-F40B1023029B}" srcOrd="2" destOrd="0" parTransId="{FDEA4426-1355-ED4B-9842-5F4E244AA834}" sibTransId="{935BD194-65C8-D94B-9A63-956741FC345C}"/>
+    <dgm:cxn modelId="{30DA9FFF-F706-9C44-B934-D5DF7E5E467E}" type="presOf" srcId="{BEB21D71-A06F-A74B-9516-7E2370433538}" destId="{CB670870-7B5D-374E-BA87-F0EE4C68B06E}" srcOrd="0" destOrd="0" presId="urn:microsoft.com/office/officeart/2005/8/layout/cycle6"/>
+    <dgm:cxn modelId="{8D286B33-2E23-0C4F-BDA4-24EBE4D5E2E6}" type="presOf" srcId="{2BDF58B0-02F2-2547-BEB8-F40B1023029B}" destId="{E4B851CE-5634-5B47-B215-0635E6A348E3}" srcOrd="0" destOrd="0" presId="urn:microsoft.com/office/officeart/2005/8/layout/cycle6"/>
+    <dgm:cxn modelId="{6F0D111E-3AD7-1C47-9F4D-DFDD3803A797}" type="presOf" srcId="{F7449D72-6E70-EA44-BF3B-BC34619971A0}" destId="{FFF90116-10B7-3D40-B803-4451AEA5BE13}" srcOrd="0" destOrd="0" presId="urn:microsoft.com/office/officeart/2005/8/layout/cycle6"/>
+    <dgm:cxn modelId="{769DA90D-9AE3-404F-82A6-10042053ABB2}" srcId="{BB710D46-AFD3-B142-B555-ADC3D4202413}" destId="{652F2F64-6271-654F-BE3C-01D4BA5391ED}" srcOrd="1" destOrd="0" parTransId="{1B96049B-F962-EB45-BF61-B2411D04EA77}" sibTransId="{6BD502E4-B8AD-D24F-824B-414B3833277B}"/>
+    <dgm:cxn modelId="{9EA339DC-A393-854F-AFC0-3F074160AC55}" type="presOf" srcId="{8CEDAC9E-0139-B744-AE8E-9F8A19EADD24}" destId="{C456D8BD-441D-F546-AE53-4CA4C54DC6C5}" srcOrd="0" destOrd="0" presId="urn:microsoft.com/office/officeart/2005/8/layout/cycle6"/>
+    <dgm:cxn modelId="{405FDDC4-1D4E-264D-BD45-1EDC7EB2F328}" type="presOf" srcId="{652F2F64-6271-654F-BE3C-01D4BA5391ED}" destId="{D5557809-75F5-E34B-9314-4A893972A7C3}" srcOrd="0" destOrd="0" presId="urn:microsoft.com/office/officeart/2005/8/layout/cycle6"/>
+    <dgm:cxn modelId="{8D55D941-5D1C-6845-9F65-BAD2BCCA949C}" srcId="{BB710D46-AFD3-B142-B555-ADC3D4202413}" destId="{98DCDF06-55A1-4B45-B0B3-AF85D2429272}" srcOrd="0" destOrd="0" parTransId="{5D7FA862-B5A0-0449-8B0B-CAD48F438D53}" sibTransId="{789EA224-C715-184B-AD8D-42456CB864F1}"/>
+    <dgm:cxn modelId="{E005D46B-5F83-2843-BA77-79C8423788E6}" srcId="{BB710D46-AFD3-B142-B555-ADC3D4202413}" destId="{44A64B8B-76F8-DE42-A91C-A9258D72E60D}" srcOrd="5" destOrd="0" parTransId="{0B93A241-D3E1-994C-A755-1CCFE2B170B8}" sibTransId="{AFCDA469-835A-5B40-9BFB-F7FF0AE62044}"/>
+    <dgm:cxn modelId="{9223FC91-AAE4-2E48-927A-6894FBC70187}" type="presOf" srcId="{789EA224-C715-184B-AD8D-42456CB864F1}" destId="{06BF9122-3BBE-D84F-BC2A-023F259301BF}" srcOrd="0" destOrd="0" presId="urn:microsoft.com/office/officeart/2005/8/layout/cycle6"/>
+    <dgm:cxn modelId="{460EF5F1-FBFE-1D4D-8B77-B994383520FE}" srcId="{BB710D46-AFD3-B142-B555-ADC3D4202413}" destId="{755578C8-39C7-F84F-81E5-EDE23009DA12}" srcOrd="6" destOrd="0" parTransId="{93D82149-3DCF-794C-9DC7-4392C3242163}" sibTransId="{3F99AD3A-DF4C-5242-B389-4BD3EC782C9E}"/>
+    <dgm:cxn modelId="{06C81620-4AE3-4446-BF8A-5205C2C1DDBF}" type="presOf" srcId="{AFCDA469-835A-5B40-9BFB-F7FF0AE62044}" destId="{33A2539F-8B65-ED47-A5ED-EB776E2E509B}" srcOrd="0" destOrd="0" presId="urn:microsoft.com/office/officeart/2005/8/layout/cycle6"/>
+    <dgm:cxn modelId="{DF8948DA-9DB5-0F45-B43C-AC2B05A60B8A}" srcId="{BB710D46-AFD3-B142-B555-ADC3D4202413}" destId="{BEB21D71-A06F-A74B-9516-7E2370433538}" srcOrd="4" destOrd="0" parTransId="{A33B8D83-09E8-8A47-9F76-F2EBA536F713}" sibTransId="{F7449D72-6E70-EA44-BF3B-BC34619971A0}"/>
+    <dgm:cxn modelId="{38A630CA-66F6-A443-B5CC-AEB6AC45F9FA}" type="presOf" srcId="{6BD502E4-B8AD-D24F-824B-414B3833277B}" destId="{A710B019-C9B4-2440-AC45-35CCBC9C5B9F}" srcOrd="0" destOrd="0" presId="urn:microsoft.com/office/officeart/2005/8/layout/cycle6"/>
+    <dgm:cxn modelId="{D628CEB8-3E4E-B541-BF8A-6D1EDE866820}" type="presOf" srcId="{3F99AD3A-DF4C-5242-B389-4BD3EC782C9E}" destId="{83AC71DB-A5A1-4B47-A8AB-9F0C94838B62}" srcOrd="0" destOrd="0" presId="urn:microsoft.com/office/officeart/2005/8/layout/cycle6"/>
+    <dgm:cxn modelId="{6D1CA926-B89C-6B4B-BF7A-1B5930D24E05}" type="presOf" srcId="{755578C8-39C7-F84F-81E5-EDE23009DA12}" destId="{DDF9ED4D-3818-E447-8635-92E8C05FD7F2}" srcOrd="0" destOrd="0" presId="urn:microsoft.com/office/officeart/2005/8/layout/cycle6"/>
+    <dgm:cxn modelId="{84B0BA13-2141-7649-AD09-12594C621372}" type="presOf" srcId="{BB710D46-AFD3-B142-B555-ADC3D4202413}" destId="{3678113B-8DDD-9F40-B1E8-C8B5AC898E5D}" srcOrd="0" destOrd="0" presId="urn:microsoft.com/office/officeart/2005/8/layout/cycle6"/>
     <dgm:cxn modelId="{CAB2B84E-CDCD-4444-83B6-698E7425D34F}" type="presOf" srcId="{935BD194-65C8-D94B-9A63-956741FC345C}" destId="{9677C562-C0B9-F14E-A514-FEA08E2658E2}" srcOrd="0" destOrd="0" presId="urn:microsoft.com/office/officeart/2005/8/layout/cycle6"/>
     <dgm:cxn modelId="{829AF9B6-813B-AF44-9041-265BBFCCAE07}" srcId="{BB710D46-AFD3-B142-B555-ADC3D4202413}" destId="{8CEDAC9E-0139-B744-AE8E-9F8A19EADD24}" srcOrd="3" destOrd="0" parTransId="{B2C5CD4F-2C67-9B4D-9252-57FDB3045B24}" sibTransId="{284546D1-5E3E-414F-9DC4-B2E4E8EE64D4}"/>
-    <dgm:cxn modelId="{E005D46B-5F83-2843-BA77-79C8423788E6}" srcId="{BB710D46-AFD3-B142-B555-ADC3D4202413}" destId="{44A64B8B-76F8-DE42-A91C-A9258D72E60D}" srcOrd="5" destOrd="0" parTransId="{0B93A241-D3E1-994C-A755-1CCFE2B170B8}" sibTransId="{AFCDA469-835A-5B40-9BFB-F7FF0AE62044}"/>
-    <dgm:cxn modelId="{8D55D941-5D1C-6845-9F65-BAD2BCCA949C}" srcId="{BB710D46-AFD3-B142-B555-ADC3D4202413}" destId="{98DCDF06-55A1-4B45-B0B3-AF85D2429272}" srcOrd="0" destOrd="0" parTransId="{5D7FA862-B5A0-0449-8B0B-CAD48F438D53}" sibTransId="{789EA224-C715-184B-AD8D-42456CB864F1}"/>
-    <dgm:cxn modelId="{6D1CA926-B89C-6B4B-BF7A-1B5930D24E05}" type="presOf" srcId="{755578C8-39C7-F84F-81E5-EDE23009DA12}" destId="{DDF9ED4D-3818-E447-8635-92E8C05FD7F2}" srcOrd="0" destOrd="0" presId="urn:microsoft.com/office/officeart/2005/8/layout/cycle6"/>
-    <dgm:cxn modelId="{06C81620-4AE3-4446-BF8A-5205C2C1DDBF}" type="presOf" srcId="{AFCDA469-835A-5B40-9BFB-F7FF0AE62044}" destId="{33A2539F-8B65-ED47-A5ED-EB776E2E509B}" srcOrd="0" destOrd="0" presId="urn:microsoft.com/office/officeart/2005/8/layout/cycle6"/>
-    <dgm:cxn modelId="{84B0BA13-2141-7649-AD09-12594C621372}" type="presOf" srcId="{BB710D46-AFD3-B142-B555-ADC3D4202413}" destId="{3678113B-8DDD-9F40-B1E8-C8B5AC898E5D}" srcOrd="0" destOrd="0" presId="urn:microsoft.com/office/officeart/2005/8/layout/cycle6"/>
-    <dgm:cxn modelId="{30DA9FFF-F706-9C44-B934-D5DF7E5E467E}" type="presOf" srcId="{BEB21D71-A06F-A74B-9516-7E2370433538}" destId="{CB670870-7B5D-374E-BA87-F0EE4C68B06E}" srcOrd="0" destOrd="0" presId="urn:microsoft.com/office/officeart/2005/8/layout/cycle6"/>
-    <dgm:cxn modelId="{8D286B33-2E23-0C4F-BDA4-24EBE4D5E2E6}" type="presOf" srcId="{2BDF58B0-02F2-2547-BEB8-F40B1023029B}" destId="{E4B851CE-5634-5B47-B215-0635E6A348E3}" srcOrd="0" destOrd="0" presId="urn:microsoft.com/office/officeart/2005/8/layout/cycle6"/>
-    <dgm:cxn modelId="{9223FC91-AAE4-2E48-927A-6894FBC70187}" type="presOf" srcId="{789EA224-C715-184B-AD8D-42456CB864F1}" destId="{06BF9122-3BBE-D84F-BC2A-023F259301BF}" srcOrd="0" destOrd="0" presId="urn:microsoft.com/office/officeart/2005/8/layout/cycle6"/>
-    <dgm:cxn modelId="{1B82BD6A-6587-0E4A-8187-C5EA9523247E}" srcId="{BB710D46-AFD3-B142-B555-ADC3D4202413}" destId="{2BDF58B0-02F2-2547-BEB8-F40B1023029B}" srcOrd="2" destOrd="0" parTransId="{FDEA4426-1355-ED4B-9842-5F4E244AA834}" sibTransId="{935BD194-65C8-D94B-9A63-956741FC345C}"/>
-    <dgm:cxn modelId="{460EF5F1-FBFE-1D4D-8B77-B994383520FE}" srcId="{BB710D46-AFD3-B142-B555-ADC3D4202413}" destId="{755578C8-39C7-F84F-81E5-EDE23009DA12}" srcOrd="6" destOrd="0" parTransId="{93D82149-3DCF-794C-9DC7-4392C3242163}" sibTransId="{3F99AD3A-DF4C-5242-B389-4BD3EC782C9E}"/>
-    <dgm:cxn modelId="{769DA90D-9AE3-404F-82A6-10042053ABB2}" srcId="{BB710D46-AFD3-B142-B555-ADC3D4202413}" destId="{652F2F64-6271-654F-BE3C-01D4BA5391ED}" srcOrd="1" destOrd="0" parTransId="{1B96049B-F962-EB45-BF61-B2411D04EA77}" sibTransId="{6BD502E4-B8AD-D24F-824B-414B3833277B}"/>
-    <dgm:cxn modelId="{9EA339DC-A393-854F-AFC0-3F074160AC55}" type="presOf" srcId="{8CEDAC9E-0139-B744-AE8E-9F8A19EADD24}" destId="{C456D8BD-441D-F546-AE53-4CA4C54DC6C5}" srcOrd="0" destOrd="0" presId="urn:microsoft.com/office/officeart/2005/8/layout/cycle6"/>
-    <dgm:cxn modelId="{DF8948DA-9DB5-0F45-B43C-AC2B05A60B8A}" srcId="{BB710D46-AFD3-B142-B555-ADC3D4202413}" destId="{BEB21D71-A06F-A74B-9516-7E2370433538}" srcOrd="4" destOrd="0" parTransId="{A33B8D83-09E8-8A47-9F76-F2EBA536F713}" sibTransId="{F7449D72-6E70-EA44-BF3B-BC34619971A0}"/>
-    <dgm:cxn modelId="{29B6783A-EEFB-F842-9422-1444D69CD6B5}" type="presOf" srcId="{284546D1-5E3E-414F-9DC4-B2E4E8EE64D4}" destId="{78532C3A-E944-2347-9AF1-56512288FE8F}" srcOrd="0" destOrd="0" presId="urn:microsoft.com/office/officeart/2005/8/layout/cycle6"/>
-    <dgm:cxn modelId="{38A630CA-66F6-A443-B5CC-AEB6AC45F9FA}" type="presOf" srcId="{6BD502E4-B8AD-D24F-824B-414B3833277B}" destId="{A710B019-C9B4-2440-AC45-35CCBC9C5B9F}" srcOrd="0" destOrd="0" presId="urn:microsoft.com/office/officeart/2005/8/layout/cycle6"/>
-    <dgm:cxn modelId="{032A835A-C477-344D-A85E-38EFD8E83614}" type="presOf" srcId="{44A64B8B-76F8-DE42-A91C-A9258D72E60D}" destId="{50BFE882-9EDE-684E-8F5A-ED325875424D}" srcOrd="0" destOrd="0" presId="urn:microsoft.com/office/officeart/2005/8/layout/cycle6"/>
-    <dgm:cxn modelId="{D628CEB8-3E4E-B541-BF8A-6D1EDE866820}" type="presOf" srcId="{3F99AD3A-DF4C-5242-B389-4BD3EC782C9E}" destId="{83AC71DB-A5A1-4B47-A8AB-9F0C94838B62}" srcOrd="0" destOrd="0" presId="urn:microsoft.com/office/officeart/2005/8/layout/cycle6"/>
-    <dgm:cxn modelId="{405FDDC4-1D4E-264D-BD45-1EDC7EB2F328}" type="presOf" srcId="{652F2F64-6271-654F-BE3C-01D4BA5391ED}" destId="{D5557809-75F5-E34B-9314-4A893972A7C3}" srcOrd="0" destOrd="0" presId="urn:microsoft.com/office/officeart/2005/8/layout/cycle6"/>
-    <dgm:cxn modelId="{6F0D111E-3AD7-1C47-9F4D-DFDD3803A797}" type="presOf" srcId="{F7449D72-6E70-EA44-BF3B-BC34619971A0}" destId="{FFF90116-10B7-3D40-B803-4451AEA5BE13}" srcOrd="0" destOrd="0" presId="urn:microsoft.com/office/officeart/2005/8/layout/cycle6"/>
-    <dgm:cxn modelId="{5633C62E-EB13-A747-8761-2FC3A4F548F4}" type="presOf" srcId="{98DCDF06-55A1-4B45-B0B3-AF85D2429272}" destId="{62FA71FB-EDA7-5045-8B98-1AF02A33D2C4}" srcOrd="0" destOrd="0" presId="urn:microsoft.com/office/officeart/2005/8/layout/cycle6"/>
     <dgm:cxn modelId="{9E81D860-210D-0644-BAB2-05193381AB00}" type="presParOf" srcId="{3678113B-8DDD-9F40-B1E8-C8B5AC898E5D}" destId="{62FA71FB-EDA7-5045-8B98-1AF02A33D2C4}" srcOrd="0" destOrd="0" presId="urn:microsoft.com/office/officeart/2005/8/layout/cycle6"/>
     <dgm:cxn modelId="{6EE51423-953F-154E-8618-8648891E3F35}" type="presParOf" srcId="{3678113B-8DDD-9F40-B1E8-C8B5AC898E5D}" destId="{B7C084E5-4134-0D40-895C-72680777E8D9}" srcOrd="1" destOrd="0" presId="urn:microsoft.com/office/officeart/2005/8/layout/cycle6"/>
     <dgm:cxn modelId="{E91C57AB-1CFE-744B-B188-D52C5A74F0F6}" type="presParOf" srcId="{3678113B-8DDD-9F40-B1E8-C8B5AC898E5D}" destId="{06BF9122-3BBE-D84F-BC2A-023F259301BF}" srcOrd="2" destOrd="0" presId="urn:microsoft.com/office/officeart/2005/8/layout/cycle6"/>
@@ -4707,6 +4798,13 @@
         </dgm:presLayoutVars>
       </dgm:prSet>
       <dgm:spPr/>
+      <dgm:t>
+        <a:bodyPr/>
+        <a:lstStyle/>
+        <a:p>
+          <a:endParaRPr lang="en-US"/>
+        </a:p>
+      </dgm:t>
     </dgm:pt>
     <dgm:pt modelId="{F66236F2-CCFF-544B-8ECB-9A803C3970C6}" type="pres">
       <dgm:prSet presAssocID="{73073157-1720-194D-8175-22417984B65D}" presName="node" presStyleLbl="node1" presStyleIdx="0" presStyleCnt="7">
@@ -4715,6 +4813,13 @@
         </dgm:presLayoutVars>
       </dgm:prSet>
       <dgm:spPr/>
+      <dgm:t>
+        <a:bodyPr/>
+        <a:lstStyle/>
+        <a:p>
+          <a:endParaRPr lang="en-US"/>
+        </a:p>
+      </dgm:t>
     </dgm:pt>
     <dgm:pt modelId="{1968FDF7-5A5C-C645-A1BE-59E4E819AB15}" type="pres">
       <dgm:prSet presAssocID="{73073157-1720-194D-8175-22417984B65D}" presName="spNode" presStyleCnt="0"/>
@@ -4723,6 +4828,13 @@
     <dgm:pt modelId="{812D943C-B618-1B46-AB4A-7A0611219EBA}" type="pres">
       <dgm:prSet presAssocID="{55028736-D3A9-E34D-9EE9-FB4A11AD9545}" presName="sibTrans" presStyleLbl="sibTrans1D1" presStyleIdx="0" presStyleCnt="7"/>
       <dgm:spPr/>
+      <dgm:t>
+        <a:bodyPr/>
+        <a:lstStyle/>
+        <a:p>
+          <a:endParaRPr lang="en-US"/>
+        </a:p>
+      </dgm:t>
     </dgm:pt>
     <dgm:pt modelId="{28F541CC-1B33-4141-85E2-27392CA8A45C}" type="pres">
       <dgm:prSet presAssocID="{131E7DE5-70CB-DE46-9191-3DB7BB76F2A0}" presName="node" presStyleLbl="node1" presStyleIdx="1" presStyleCnt="7">
@@ -4731,6 +4843,13 @@
         </dgm:presLayoutVars>
       </dgm:prSet>
       <dgm:spPr/>
+      <dgm:t>
+        <a:bodyPr/>
+        <a:lstStyle/>
+        <a:p>
+          <a:endParaRPr lang="en-US"/>
+        </a:p>
+      </dgm:t>
     </dgm:pt>
     <dgm:pt modelId="{2919F7D2-A887-C045-9D07-5D39C526CF86}" type="pres">
       <dgm:prSet presAssocID="{131E7DE5-70CB-DE46-9191-3DB7BB76F2A0}" presName="spNode" presStyleCnt="0"/>
@@ -4739,6 +4858,13 @@
     <dgm:pt modelId="{B6D3D6C9-1270-0347-9399-F882C01264AE}" type="pres">
       <dgm:prSet presAssocID="{1B4F3C39-4DD4-D645-9CD8-6015EC23EFF6}" presName="sibTrans" presStyleLbl="sibTrans1D1" presStyleIdx="1" presStyleCnt="7"/>
       <dgm:spPr/>
+      <dgm:t>
+        <a:bodyPr/>
+        <a:lstStyle/>
+        <a:p>
+          <a:endParaRPr lang="en-US"/>
+        </a:p>
+      </dgm:t>
     </dgm:pt>
     <dgm:pt modelId="{D34AA488-D001-5445-9442-BE762EC46D8F}" type="pres">
       <dgm:prSet presAssocID="{BEEB9C8F-48AF-4E46-AF66-AEAD7A7FC794}" presName="node" presStyleLbl="node1" presStyleIdx="2" presStyleCnt="7">
@@ -4747,6 +4873,13 @@
         </dgm:presLayoutVars>
       </dgm:prSet>
       <dgm:spPr/>
+      <dgm:t>
+        <a:bodyPr/>
+        <a:lstStyle/>
+        <a:p>
+          <a:endParaRPr lang="en-US"/>
+        </a:p>
+      </dgm:t>
     </dgm:pt>
     <dgm:pt modelId="{32EE1EE9-68B8-C649-BECB-831A96E5E1AD}" type="pres">
       <dgm:prSet presAssocID="{BEEB9C8F-48AF-4E46-AF66-AEAD7A7FC794}" presName="spNode" presStyleCnt="0"/>
@@ -4755,6 +4888,13 @@
     <dgm:pt modelId="{C3FE2A2B-2F1F-1C43-A064-095DBAECFE4E}" type="pres">
       <dgm:prSet presAssocID="{38BB4829-8F75-6F4B-9782-0349F44DEFD3}" presName="sibTrans" presStyleLbl="sibTrans1D1" presStyleIdx="2" presStyleCnt="7"/>
       <dgm:spPr/>
+      <dgm:t>
+        <a:bodyPr/>
+        <a:lstStyle/>
+        <a:p>
+          <a:endParaRPr lang="en-US"/>
+        </a:p>
+      </dgm:t>
     </dgm:pt>
     <dgm:pt modelId="{FEC7D7B5-702B-3749-AA40-38A13D94974C}" type="pres">
       <dgm:prSet presAssocID="{D54682F2-60A6-724C-B1A3-2B11B3DCB8F0}" presName="node" presStyleLbl="node1" presStyleIdx="3" presStyleCnt="7">
@@ -4763,6 +4903,13 @@
         </dgm:presLayoutVars>
       </dgm:prSet>
       <dgm:spPr/>
+      <dgm:t>
+        <a:bodyPr/>
+        <a:lstStyle/>
+        <a:p>
+          <a:endParaRPr lang="en-US"/>
+        </a:p>
+      </dgm:t>
     </dgm:pt>
     <dgm:pt modelId="{DC7416C6-5EDA-2944-A4F9-AB802CC187BF}" type="pres">
       <dgm:prSet presAssocID="{D54682F2-60A6-724C-B1A3-2B11B3DCB8F0}" presName="spNode" presStyleCnt="0"/>
@@ -4771,6 +4918,13 @@
     <dgm:pt modelId="{5EDDA8AA-3893-9D45-B459-05308E9B0195}" type="pres">
       <dgm:prSet presAssocID="{FF53D43A-B64C-7F49-84AD-752068DDB9C2}" presName="sibTrans" presStyleLbl="sibTrans1D1" presStyleIdx="3" presStyleCnt="7"/>
       <dgm:spPr/>
+      <dgm:t>
+        <a:bodyPr/>
+        <a:lstStyle/>
+        <a:p>
+          <a:endParaRPr lang="en-US"/>
+        </a:p>
+      </dgm:t>
     </dgm:pt>
     <dgm:pt modelId="{97227C73-E002-BF46-A4E2-E9634E2CD784}" type="pres">
       <dgm:prSet presAssocID="{B9CD472A-C033-794C-AF79-87C4BDC949F2}" presName="node" presStyleLbl="node1" presStyleIdx="4" presStyleCnt="7">
@@ -4779,6 +4933,13 @@
         </dgm:presLayoutVars>
       </dgm:prSet>
       <dgm:spPr/>
+      <dgm:t>
+        <a:bodyPr/>
+        <a:lstStyle/>
+        <a:p>
+          <a:endParaRPr lang="en-US"/>
+        </a:p>
+      </dgm:t>
     </dgm:pt>
     <dgm:pt modelId="{3A368E5F-8F62-0D44-B4E7-1E876E70F3BC}" type="pres">
       <dgm:prSet presAssocID="{B9CD472A-C033-794C-AF79-87C4BDC949F2}" presName="spNode" presStyleCnt="0"/>
@@ -4787,6 +4948,13 @@
     <dgm:pt modelId="{611E5FC6-1EB8-4F42-A8B4-0EA873F6E761}" type="pres">
       <dgm:prSet presAssocID="{CF2EE7BE-CCE2-7F42-84C7-B181FA5C38DD}" presName="sibTrans" presStyleLbl="sibTrans1D1" presStyleIdx="4" presStyleCnt="7"/>
       <dgm:spPr/>
+      <dgm:t>
+        <a:bodyPr/>
+        <a:lstStyle/>
+        <a:p>
+          <a:endParaRPr lang="en-US"/>
+        </a:p>
+      </dgm:t>
     </dgm:pt>
     <dgm:pt modelId="{F88CF778-BF47-174B-9354-4FB846FEE018}" type="pres">
       <dgm:prSet presAssocID="{41BDBEFB-CC4F-F944-80B0-484E4841F600}" presName="node" presStyleLbl="node1" presStyleIdx="5" presStyleCnt="7">
@@ -4810,6 +4978,13 @@
     <dgm:pt modelId="{F467624E-FAC5-9046-BA3F-5683F93600BD}" type="pres">
       <dgm:prSet presAssocID="{F0300759-01AF-6245-8ED6-15D2E9542DDB}" presName="sibTrans" presStyleLbl="sibTrans1D1" presStyleIdx="5" presStyleCnt="7"/>
       <dgm:spPr/>
+      <dgm:t>
+        <a:bodyPr/>
+        <a:lstStyle/>
+        <a:p>
+          <a:endParaRPr lang="en-US"/>
+        </a:p>
+      </dgm:t>
     </dgm:pt>
     <dgm:pt modelId="{565FBD99-1740-EA4E-A72B-156CFE17356E}" type="pres">
       <dgm:prSet presAssocID="{75D934EA-5B28-BF44-826F-29390BAE213D}" presName="node" presStyleLbl="node1" presStyleIdx="6" presStyleCnt="7">
@@ -4833,6 +5008,13 @@
     <dgm:pt modelId="{6C463D62-F36E-4447-B177-08B2B090993B}" type="pres">
       <dgm:prSet presAssocID="{AFCE5913-40C3-E442-B069-6C04DFEC71A2}" presName="sibTrans" presStyleLbl="sibTrans1D1" presStyleIdx="6" presStyleCnt="7"/>
       <dgm:spPr/>
+      <dgm:t>
+        <a:bodyPr/>
+        <a:lstStyle/>
+        <a:p>
+          <a:endParaRPr lang="en-US"/>
+        </a:p>
+      </dgm:t>
     </dgm:pt>
   </dgm:ptLst>
   <dgm:cxnLst>
@@ -5219,6 +5401,13 @@
         </dgm:presLayoutVars>
       </dgm:prSet>
       <dgm:spPr/>
+      <dgm:t>
+        <a:bodyPr/>
+        <a:lstStyle/>
+        <a:p>
+          <a:endParaRPr lang="en-US"/>
+        </a:p>
+      </dgm:t>
     </dgm:pt>
     <dgm:pt modelId="{62FA71FB-EDA7-5045-8B98-1AF02A33D2C4}" type="pres">
       <dgm:prSet presAssocID="{98DCDF06-55A1-4B45-B0B3-AF85D2429272}" presName="node" presStyleLbl="node1" presStyleIdx="0" presStyleCnt="7" custRadScaleRad="99710" custRadScaleInc="0">
@@ -5242,6 +5431,13 @@
     <dgm:pt modelId="{06BF9122-3BBE-D84F-BC2A-023F259301BF}" type="pres">
       <dgm:prSet presAssocID="{789EA224-C715-184B-AD8D-42456CB864F1}" presName="sibTrans" presStyleLbl="sibTrans1D1" presStyleIdx="0" presStyleCnt="7"/>
       <dgm:spPr/>
+      <dgm:t>
+        <a:bodyPr/>
+        <a:lstStyle/>
+        <a:p>
+          <a:endParaRPr lang="en-US"/>
+        </a:p>
+      </dgm:t>
     </dgm:pt>
     <dgm:pt modelId="{D5557809-75F5-E34B-9314-4A893972A7C3}" type="pres">
       <dgm:prSet presAssocID="{652F2F64-6271-654F-BE3C-01D4BA5391ED}" presName="node" presStyleLbl="node1" presStyleIdx="1" presStyleCnt="7">
@@ -5265,6 +5461,13 @@
     <dgm:pt modelId="{A710B019-C9B4-2440-AC45-35CCBC9C5B9F}" type="pres">
       <dgm:prSet presAssocID="{6BD502E4-B8AD-D24F-824B-414B3833277B}" presName="sibTrans" presStyleLbl="sibTrans1D1" presStyleIdx="1" presStyleCnt="7"/>
       <dgm:spPr/>
+      <dgm:t>
+        <a:bodyPr/>
+        <a:lstStyle/>
+        <a:p>
+          <a:endParaRPr lang="en-US"/>
+        </a:p>
+      </dgm:t>
     </dgm:pt>
     <dgm:pt modelId="{E4B851CE-5634-5B47-B215-0635E6A348E3}" type="pres">
       <dgm:prSet presAssocID="{2BDF58B0-02F2-2547-BEB8-F40B1023029B}" presName="node" presStyleLbl="node1" presStyleIdx="2" presStyleCnt="7">
@@ -5273,6 +5476,13 @@
         </dgm:presLayoutVars>
       </dgm:prSet>
       <dgm:spPr/>
+      <dgm:t>
+        <a:bodyPr/>
+        <a:lstStyle/>
+        <a:p>
+          <a:endParaRPr lang="en-US"/>
+        </a:p>
+      </dgm:t>
     </dgm:pt>
     <dgm:pt modelId="{0447FCD7-608E-E248-A693-F457361464CD}" type="pres">
       <dgm:prSet presAssocID="{2BDF58B0-02F2-2547-BEB8-F40B1023029B}" presName="spNode" presStyleCnt="0"/>
@@ -5281,6 +5491,13 @@
     <dgm:pt modelId="{9677C562-C0B9-F14E-A514-FEA08E2658E2}" type="pres">
       <dgm:prSet presAssocID="{935BD194-65C8-D94B-9A63-956741FC345C}" presName="sibTrans" presStyleLbl="sibTrans1D1" presStyleIdx="2" presStyleCnt="7"/>
       <dgm:spPr/>
+      <dgm:t>
+        <a:bodyPr/>
+        <a:lstStyle/>
+        <a:p>
+          <a:endParaRPr lang="en-US"/>
+        </a:p>
+      </dgm:t>
     </dgm:pt>
     <dgm:pt modelId="{C456D8BD-441D-F546-AE53-4CA4C54DC6C5}" type="pres">
       <dgm:prSet presAssocID="{8CEDAC9E-0139-B744-AE8E-9F8A19EADD24}" presName="node" presStyleLbl="node1" presStyleIdx="3" presStyleCnt="7">
@@ -5289,6 +5506,13 @@
         </dgm:presLayoutVars>
       </dgm:prSet>
       <dgm:spPr/>
+      <dgm:t>
+        <a:bodyPr/>
+        <a:lstStyle/>
+        <a:p>
+          <a:endParaRPr lang="en-US"/>
+        </a:p>
+      </dgm:t>
     </dgm:pt>
     <dgm:pt modelId="{624C66BD-48F9-D94B-ACCF-6F4C04F4AC2B}" type="pres">
       <dgm:prSet presAssocID="{8CEDAC9E-0139-B744-AE8E-9F8A19EADD24}" presName="spNode" presStyleCnt="0"/>
@@ -5297,6 +5521,13 @@
     <dgm:pt modelId="{78532C3A-E944-2347-9AF1-56512288FE8F}" type="pres">
       <dgm:prSet presAssocID="{284546D1-5E3E-414F-9DC4-B2E4E8EE64D4}" presName="sibTrans" presStyleLbl="sibTrans1D1" presStyleIdx="3" presStyleCnt="7"/>
       <dgm:spPr/>
+      <dgm:t>
+        <a:bodyPr/>
+        <a:lstStyle/>
+        <a:p>
+          <a:endParaRPr lang="en-US"/>
+        </a:p>
+      </dgm:t>
     </dgm:pt>
     <dgm:pt modelId="{CB670870-7B5D-374E-BA87-F0EE4C68B06E}" type="pres">
       <dgm:prSet presAssocID="{BEB21D71-A06F-A74B-9516-7E2370433538}" presName="node" presStyleLbl="node1" presStyleIdx="4" presStyleCnt="7">
@@ -5305,6 +5536,13 @@
         </dgm:presLayoutVars>
       </dgm:prSet>
       <dgm:spPr/>
+      <dgm:t>
+        <a:bodyPr/>
+        <a:lstStyle/>
+        <a:p>
+          <a:endParaRPr lang="en-US"/>
+        </a:p>
+      </dgm:t>
     </dgm:pt>
     <dgm:pt modelId="{AA38488A-CBF9-CD40-8D93-A272927E97DA}" type="pres">
       <dgm:prSet presAssocID="{BEB21D71-A06F-A74B-9516-7E2370433538}" presName="spNode" presStyleCnt="0"/>
@@ -5313,6 +5551,13 @@
     <dgm:pt modelId="{FFF90116-10B7-3D40-B803-4451AEA5BE13}" type="pres">
       <dgm:prSet presAssocID="{F7449D72-6E70-EA44-BF3B-BC34619971A0}" presName="sibTrans" presStyleLbl="sibTrans1D1" presStyleIdx="4" presStyleCnt="7"/>
       <dgm:spPr/>
+      <dgm:t>
+        <a:bodyPr/>
+        <a:lstStyle/>
+        <a:p>
+          <a:endParaRPr lang="en-US"/>
+        </a:p>
+      </dgm:t>
     </dgm:pt>
     <dgm:pt modelId="{50BFE882-9EDE-684E-8F5A-ED325875424D}" type="pres">
       <dgm:prSet presAssocID="{44A64B8B-76F8-DE42-A91C-A9258D72E60D}" presName="node" presStyleLbl="node1" presStyleIdx="5" presStyleCnt="7">
@@ -5321,6 +5566,13 @@
         </dgm:presLayoutVars>
       </dgm:prSet>
       <dgm:spPr/>
+      <dgm:t>
+        <a:bodyPr/>
+        <a:lstStyle/>
+        <a:p>
+          <a:endParaRPr lang="en-US"/>
+        </a:p>
+      </dgm:t>
     </dgm:pt>
     <dgm:pt modelId="{F39C0358-39F1-B842-A5E8-99E3F722E726}" type="pres">
       <dgm:prSet presAssocID="{44A64B8B-76F8-DE42-A91C-A9258D72E60D}" presName="spNode" presStyleCnt="0"/>
@@ -5329,6 +5581,13 @@
     <dgm:pt modelId="{33A2539F-8B65-ED47-A5ED-EB776E2E509B}" type="pres">
       <dgm:prSet presAssocID="{AFCDA469-835A-5B40-9BFB-F7FF0AE62044}" presName="sibTrans" presStyleLbl="sibTrans1D1" presStyleIdx="5" presStyleCnt="7"/>
       <dgm:spPr/>
+      <dgm:t>
+        <a:bodyPr/>
+        <a:lstStyle/>
+        <a:p>
+          <a:endParaRPr lang="en-US"/>
+        </a:p>
+      </dgm:t>
     </dgm:pt>
     <dgm:pt modelId="{DDF9ED4D-3818-E447-8635-92E8C05FD7F2}" type="pres">
       <dgm:prSet presAssocID="{755578C8-39C7-F84F-81E5-EDE23009DA12}" presName="node" presStyleLbl="node1" presStyleIdx="6" presStyleCnt="7">
@@ -5337,6 +5596,13 @@
         </dgm:presLayoutVars>
       </dgm:prSet>
       <dgm:spPr/>
+      <dgm:t>
+        <a:bodyPr/>
+        <a:lstStyle/>
+        <a:p>
+          <a:endParaRPr lang="en-US"/>
+        </a:p>
+      </dgm:t>
     </dgm:pt>
     <dgm:pt modelId="{6EFE87CD-82E5-3A42-ACFA-159B1335D74D}" type="pres">
       <dgm:prSet presAssocID="{755578C8-39C7-F84F-81E5-EDE23009DA12}" presName="spNode" presStyleCnt="0"/>
@@ -5345,31 +5611,38 @@
     <dgm:pt modelId="{83AC71DB-A5A1-4B47-A8AB-9F0C94838B62}" type="pres">
       <dgm:prSet presAssocID="{3F99AD3A-DF4C-5242-B389-4BD3EC782C9E}" presName="sibTrans" presStyleLbl="sibTrans1D1" presStyleIdx="6" presStyleCnt="7"/>
       <dgm:spPr/>
+      <dgm:t>
+        <a:bodyPr/>
+        <a:lstStyle/>
+        <a:p>
+          <a:endParaRPr lang="en-US"/>
+        </a:p>
+      </dgm:t>
     </dgm:pt>
   </dgm:ptLst>
   <dgm:cxnLst>
+    <dgm:cxn modelId="{829AF9B6-813B-AF44-9041-265BBFCCAE07}" srcId="{BB710D46-AFD3-B142-B555-ADC3D4202413}" destId="{8CEDAC9E-0139-B744-AE8E-9F8A19EADD24}" srcOrd="3" destOrd="0" parTransId="{B2C5CD4F-2C67-9B4D-9252-57FDB3045B24}" sibTransId="{284546D1-5E3E-414F-9DC4-B2E4E8EE64D4}"/>
+    <dgm:cxn modelId="{697C0D0E-2155-EB45-A3B2-4F58710AF7A7}" type="presOf" srcId="{652F2F64-6271-654F-BE3C-01D4BA5391ED}" destId="{D5557809-75F5-E34B-9314-4A893972A7C3}" srcOrd="0" destOrd="0" presId="urn:microsoft.com/office/officeart/2005/8/layout/cycle6"/>
+    <dgm:cxn modelId="{E005D46B-5F83-2843-BA77-79C8423788E6}" srcId="{BB710D46-AFD3-B142-B555-ADC3D4202413}" destId="{44A64B8B-76F8-DE42-A91C-A9258D72E60D}" srcOrd="5" destOrd="0" parTransId="{0B93A241-D3E1-994C-A755-1CCFE2B170B8}" sibTransId="{AFCDA469-835A-5B40-9BFB-F7FF0AE62044}"/>
+    <dgm:cxn modelId="{8D55D941-5D1C-6845-9F65-BAD2BCCA949C}" srcId="{BB710D46-AFD3-B142-B555-ADC3D4202413}" destId="{98DCDF06-55A1-4B45-B0B3-AF85D2429272}" srcOrd="0" destOrd="0" parTransId="{5D7FA862-B5A0-0449-8B0B-CAD48F438D53}" sibTransId="{789EA224-C715-184B-AD8D-42456CB864F1}"/>
+    <dgm:cxn modelId="{E0B592DE-1412-D248-96EE-31E80BA04965}" type="presOf" srcId="{284546D1-5E3E-414F-9DC4-B2E4E8EE64D4}" destId="{78532C3A-E944-2347-9AF1-56512288FE8F}" srcOrd="0" destOrd="0" presId="urn:microsoft.com/office/officeart/2005/8/layout/cycle6"/>
+    <dgm:cxn modelId="{6AC7770D-7B7C-C74E-B3EC-D7EDA91E2591}" type="presOf" srcId="{6BD502E4-B8AD-D24F-824B-414B3833277B}" destId="{A710B019-C9B4-2440-AC45-35CCBC9C5B9F}" srcOrd="0" destOrd="0" presId="urn:microsoft.com/office/officeart/2005/8/layout/cycle6"/>
+    <dgm:cxn modelId="{C5B25375-D362-2747-9414-94B997067256}" type="presOf" srcId="{8CEDAC9E-0139-B744-AE8E-9F8A19EADD24}" destId="{C456D8BD-441D-F546-AE53-4CA4C54DC6C5}" srcOrd="0" destOrd="0" presId="urn:microsoft.com/office/officeart/2005/8/layout/cycle6"/>
+    <dgm:cxn modelId="{14114BD1-FF02-DF47-A050-61DEE4306900}" type="presOf" srcId="{BB710D46-AFD3-B142-B555-ADC3D4202413}" destId="{3678113B-8DDD-9F40-B1E8-C8B5AC898E5D}" srcOrd="0" destOrd="0" presId="urn:microsoft.com/office/officeart/2005/8/layout/cycle6"/>
+    <dgm:cxn modelId="{64A7E9FD-8FB0-7345-B17D-CC05057391C3}" type="presOf" srcId="{3F99AD3A-DF4C-5242-B389-4BD3EC782C9E}" destId="{83AC71DB-A5A1-4B47-A8AB-9F0C94838B62}" srcOrd="0" destOrd="0" presId="urn:microsoft.com/office/officeart/2005/8/layout/cycle6"/>
+    <dgm:cxn modelId="{2E47EBFA-AE3E-F34A-8131-E5655FF62890}" type="presOf" srcId="{AFCDA469-835A-5B40-9BFB-F7FF0AE62044}" destId="{33A2539F-8B65-ED47-A5ED-EB776E2E509B}" srcOrd="0" destOrd="0" presId="urn:microsoft.com/office/officeart/2005/8/layout/cycle6"/>
+    <dgm:cxn modelId="{1B82BD6A-6587-0E4A-8187-C5EA9523247E}" srcId="{BB710D46-AFD3-B142-B555-ADC3D4202413}" destId="{2BDF58B0-02F2-2547-BEB8-F40B1023029B}" srcOrd="2" destOrd="0" parTransId="{FDEA4426-1355-ED4B-9842-5F4E244AA834}" sibTransId="{935BD194-65C8-D94B-9A63-956741FC345C}"/>
+    <dgm:cxn modelId="{460EF5F1-FBFE-1D4D-8B77-B994383520FE}" srcId="{BB710D46-AFD3-B142-B555-ADC3D4202413}" destId="{755578C8-39C7-F84F-81E5-EDE23009DA12}" srcOrd="6" destOrd="0" parTransId="{93D82149-3DCF-794C-9DC7-4392C3242163}" sibTransId="{3F99AD3A-DF4C-5242-B389-4BD3EC782C9E}"/>
+    <dgm:cxn modelId="{769DA90D-9AE3-404F-82A6-10042053ABB2}" srcId="{BB710D46-AFD3-B142-B555-ADC3D4202413}" destId="{652F2F64-6271-654F-BE3C-01D4BA5391ED}" srcOrd="1" destOrd="0" parTransId="{1B96049B-F962-EB45-BF61-B2411D04EA77}" sibTransId="{6BD502E4-B8AD-D24F-824B-414B3833277B}"/>
+    <dgm:cxn modelId="{AF900452-7A12-F849-9600-783AC8512BBF}" type="presOf" srcId="{F7449D72-6E70-EA44-BF3B-BC34619971A0}" destId="{FFF90116-10B7-3D40-B803-4451AEA5BE13}" srcOrd="0" destOrd="0" presId="urn:microsoft.com/office/officeart/2005/8/layout/cycle6"/>
+    <dgm:cxn modelId="{1FD40298-3091-C340-BEA4-04F96B09819C}" type="presOf" srcId="{755578C8-39C7-F84F-81E5-EDE23009DA12}" destId="{DDF9ED4D-3818-E447-8635-92E8C05FD7F2}" srcOrd="0" destOrd="0" presId="urn:microsoft.com/office/officeart/2005/8/layout/cycle6"/>
+    <dgm:cxn modelId="{DF8948DA-9DB5-0F45-B43C-AC2B05A60B8A}" srcId="{BB710D46-AFD3-B142-B555-ADC3D4202413}" destId="{BEB21D71-A06F-A74B-9516-7E2370433538}" srcOrd="4" destOrd="0" parTransId="{A33B8D83-09E8-8A47-9F76-F2EBA536F713}" sibTransId="{F7449D72-6E70-EA44-BF3B-BC34619971A0}"/>
+    <dgm:cxn modelId="{1ADB9D51-C5A9-7749-B4D4-A6A005C9A73C}" type="presOf" srcId="{BEB21D71-A06F-A74B-9516-7E2370433538}" destId="{CB670870-7B5D-374E-BA87-F0EE4C68B06E}" srcOrd="0" destOrd="0" presId="urn:microsoft.com/office/officeart/2005/8/layout/cycle6"/>
+    <dgm:cxn modelId="{5338EFC9-F21E-5F4D-BF8A-B7D5FB61A60D}" type="presOf" srcId="{935BD194-65C8-D94B-9A63-956741FC345C}" destId="{9677C562-C0B9-F14E-A514-FEA08E2658E2}" srcOrd="0" destOrd="0" presId="urn:microsoft.com/office/officeart/2005/8/layout/cycle6"/>
+    <dgm:cxn modelId="{E532491E-8D08-584D-B0D8-7FCD4045BD0E}" type="presOf" srcId="{98DCDF06-55A1-4B45-B0B3-AF85D2429272}" destId="{62FA71FB-EDA7-5045-8B98-1AF02A33D2C4}" srcOrd="0" destOrd="0" presId="urn:microsoft.com/office/officeart/2005/8/layout/cycle6"/>
+    <dgm:cxn modelId="{FFC59169-E7B0-D14B-AF36-C5995E33C152}" type="presOf" srcId="{789EA224-C715-184B-AD8D-42456CB864F1}" destId="{06BF9122-3BBE-D84F-BC2A-023F259301BF}" srcOrd="0" destOrd="0" presId="urn:microsoft.com/office/officeart/2005/8/layout/cycle6"/>
     <dgm:cxn modelId="{1A2A08DB-D806-A34F-B4CD-593FC251356E}" type="presOf" srcId="{2BDF58B0-02F2-2547-BEB8-F40B1023029B}" destId="{E4B851CE-5634-5B47-B215-0635E6A348E3}" srcOrd="0" destOrd="0" presId="urn:microsoft.com/office/officeart/2005/8/layout/cycle6"/>
-    <dgm:cxn modelId="{AF900452-7A12-F849-9600-783AC8512BBF}" type="presOf" srcId="{F7449D72-6E70-EA44-BF3B-BC34619971A0}" destId="{FFF90116-10B7-3D40-B803-4451AEA5BE13}" srcOrd="0" destOrd="0" presId="urn:microsoft.com/office/officeart/2005/8/layout/cycle6"/>
-    <dgm:cxn modelId="{1B82BD6A-6587-0E4A-8187-C5EA9523247E}" srcId="{BB710D46-AFD3-B142-B555-ADC3D4202413}" destId="{2BDF58B0-02F2-2547-BEB8-F40B1023029B}" srcOrd="2" destOrd="0" parTransId="{FDEA4426-1355-ED4B-9842-5F4E244AA834}" sibTransId="{935BD194-65C8-D94B-9A63-956741FC345C}"/>
     <dgm:cxn modelId="{BA218A05-CB5E-3C49-AB07-C826E96F3383}" type="presOf" srcId="{44A64B8B-76F8-DE42-A91C-A9258D72E60D}" destId="{50BFE882-9EDE-684E-8F5A-ED325875424D}" srcOrd="0" destOrd="0" presId="urn:microsoft.com/office/officeart/2005/8/layout/cycle6"/>
-    <dgm:cxn modelId="{5338EFC9-F21E-5F4D-BF8A-B7D5FB61A60D}" type="presOf" srcId="{935BD194-65C8-D94B-9A63-956741FC345C}" destId="{9677C562-C0B9-F14E-A514-FEA08E2658E2}" srcOrd="0" destOrd="0" presId="urn:microsoft.com/office/officeart/2005/8/layout/cycle6"/>
-    <dgm:cxn modelId="{FFC59169-E7B0-D14B-AF36-C5995E33C152}" type="presOf" srcId="{789EA224-C715-184B-AD8D-42456CB864F1}" destId="{06BF9122-3BBE-D84F-BC2A-023F259301BF}" srcOrd="0" destOrd="0" presId="urn:microsoft.com/office/officeart/2005/8/layout/cycle6"/>
-    <dgm:cxn modelId="{697C0D0E-2155-EB45-A3B2-4F58710AF7A7}" type="presOf" srcId="{652F2F64-6271-654F-BE3C-01D4BA5391ED}" destId="{D5557809-75F5-E34B-9314-4A893972A7C3}" srcOrd="0" destOrd="0" presId="urn:microsoft.com/office/officeart/2005/8/layout/cycle6"/>
-    <dgm:cxn modelId="{E0B592DE-1412-D248-96EE-31E80BA04965}" type="presOf" srcId="{284546D1-5E3E-414F-9DC4-B2E4E8EE64D4}" destId="{78532C3A-E944-2347-9AF1-56512288FE8F}" srcOrd="0" destOrd="0" presId="urn:microsoft.com/office/officeart/2005/8/layout/cycle6"/>
-    <dgm:cxn modelId="{769DA90D-9AE3-404F-82A6-10042053ABB2}" srcId="{BB710D46-AFD3-B142-B555-ADC3D4202413}" destId="{652F2F64-6271-654F-BE3C-01D4BA5391ED}" srcOrd="1" destOrd="0" parTransId="{1B96049B-F962-EB45-BF61-B2411D04EA77}" sibTransId="{6BD502E4-B8AD-D24F-824B-414B3833277B}"/>
-    <dgm:cxn modelId="{6AC7770D-7B7C-C74E-B3EC-D7EDA91E2591}" type="presOf" srcId="{6BD502E4-B8AD-D24F-824B-414B3833277B}" destId="{A710B019-C9B4-2440-AC45-35CCBC9C5B9F}" srcOrd="0" destOrd="0" presId="urn:microsoft.com/office/officeart/2005/8/layout/cycle6"/>
-    <dgm:cxn modelId="{8D55D941-5D1C-6845-9F65-BAD2BCCA949C}" srcId="{BB710D46-AFD3-B142-B555-ADC3D4202413}" destId="{98DCDF06-55A1-4B45-B0B3-AF85D2429272}" srcOrd="0" destOrd="0" parTransId="{5D7FA862-B5A0-0449-8B0B-CAD48F438D53}" sibTransId="{789EA224-C715-184B-AD8D-42456CB864F1}"/>
-    <dgm:cxn modelId="{E005D46B-5F83-2843-BA77-79C8423788E6}" srcId="{BB710D46-AFD3-B142-B555-ADC3D4202413}" destId="{44A64B8B-76F8-DE42-A91C-A9258D72E60D}" srcOrd="5" destOrd="0" parTransId="{0B93A241-D3E1-994C-A755-1CCFE2B170B8}" sibTransId="{AFCDA469-835A-5B40-9BFB-F7FF0AE62044}"/>
-    <dgm:cxn modelId="{460EF5F1-FBFE-1D4D-8B77-B994383520FE}" srcId="{BB710D46-AFD3-B142-B555-ADC3D4202413}" destId="{755578C8-39C7-F84F-81E5-EDE23009DA12}" srcOrd="6" destOrd="0" parTransId="{93D82149-3DCF-794C-9DC7-4392C3242163}" sibTransId="{3F99AD3A-DF4C-5242-B389-4BD3EC782C9E}"/>
-    <dgm:cxn modelId="{DF8948DA-9DB5-0F45-B43C-AC2B05A60B8A}" srcId="{BB710D46-AFD3-B142-B555-ADC3D4202413}" destId="{BEB21D71-A06F-A74B-9516-7E2370433538}" srcOrd="4" destOrd="0" parTransId="{A33B8D83-09E8-8A47-9F76-F2EBA536F713}" sibTransId="{F7449D72-6E70-EA44-BF3B-BC34619971A0}"/>
-    <dgm:cxn modelId="{64A7E9FD-8FB0-7345-B17D-CC05057391C3}" type="presOf" srcId="{3F99AD3A-DF4C-5242-B389-4BD3EC782C9E}" destId="{83AC71DB-A5A1-4B47-A8AB-9F0C94838B62}" srcOrd="0" destOrd="0" presId="urn:microsoft.com/office/officeart/2005/8/layout/cycle6"/>
-    <dgm:cxn modelId="{1FD40298-3091-C340-BEA4-04F96B09819C}" type="presOf" srcId="{755578C8-39C7-F84F-81E5-EDE23009DA12}" destId="{DDF9ED4D-3818-E447-8635-92E8C05FD7F2}" srcOrd="0" destOrd="0" presId="urn:microsoft.com/office/officeart/2005/8/layout/cycle6"/>
-    <dgm:cxn modelId="{14114BD1-FF02-DF47-A050-61DEE4306900}" type="presOf" srcId="{BB710D46-AFD3-B142-B555-ADC3D4202413}" destId="{3678113B-8DDD-9F40-B1E8-C8B5AC898E5D}" srcOrd="0" destOrd="0" presId="urn:microsoft.com/office/officeart/2005/8/layout/cycle6"/>
-    <dgm:cxn modelId="{E532491E-8D08-584D-B0D8-7FCD4045BD0E}" type="presOf" srcId="{98DCDF06-55A1-4B45-B0B3-AF85D2429272}" destId="{62FA71FB-EDA7-5045-8B98-1AF02A33D2C4}" srcOrd="0" destOrd="0" presId="urn:microsoft.com/office/officeart/2005/8/layout/cycle6"/>
-    <dgm:cxn modelId="{829AF9B6-813B-AF44-9041-265BBFCCAE07}" srcId="{BB710D46-AFD3-B142-B555-ADC3D4202413}" destId="{8CEDAC9E-0139-B744-AE8E-9F8A19EADD24}" srcOrd="3" destOrd="0" parTransId="{B2C5CD4F-2C67-9B4D-9252-57FDB3045B24}" sibTransId="{284546D1-5E3E-414F-9DC4-B2E4E8EE64D4}"/>
-    <dgm:cxn modelId="{C5B25375-D362-2747-9414-94B997067256}" type="presOf" srcId="{8CEDAC9E-0139-B744-AE8E-9F8A19EADD24}" destId="{C456D8BD-441D-F546-AE53-4CA4C54DC6C5}" srcOrd="0" destOrd="0" presId="urn:microsoft.com/office/officeart/2005/8/layout/cycle6"/>
-    <dgm:cxn modelId="{1ADB9D51-C5A9-7749-B4D4-A6A005C9A73C}" type="presOf" srcId="{BEB21D71-A06F-A74B-9516-7E2370433538}" destId="{CB670870-7B5D-374E-BA87-F0EE4C68B06E}" srcOrd="0" destOrd="0" presId="urn:microsoft.com/office/officeart/2005/8/layout/cycle6"/>
-    <dgm:cxn modelId="{2E47EBFA-AE3E-F34A-8131-E5655FF62890}" type="presOf" srcId="{AFCDA469-835A-5B40-9BFB-F7FF0AE62044}" destId="{33A2539F-8B65-ED47-A5ED-EB776E2E509B}" srcOrd="0" destOrd="0" presId="urn:microsoft.com/office/officeart/2005/8/layout/cycle6"/>
     <dgm:cxn modelId="{B0AA27E1-F429-8640-934E-8432BA32470C}" type="presParOf" srcId="{3678113B-8DDD-9F40-B1E8-C8B5AC898E5D}" destId="{62FA71FB-EDA7-5045-8B98-1AF02A33D2C4}" srcOrd="0" destOrd="0" presId="urn:microsoft.com/office/officeart/2005/8/layout/cycle6"/>
     <dgm:cxn modelId="{5927F4E9-4EE4-B04D-9CBD-22CDFFF3C198}" type="presParOf" srcId="{3678113B-8DDD-9F40-B1E8-C8B5AC898E5D}" destId="{B7C084E5-4134-0D40-895C-72680777E8D9}" srcOrd="1" destOrd="0" presId="urn:microsoft.com/office/officeart/2005/8/layout/cycle6"/>
     <dgm:cxn modelId="{7BB6DD28-6197-514C-8DFD-40AB58B74F02}" type="presParOf" srcId="{3678113B-8DDD-9F40-B1E8-C8B5AC898E5D}" destId="{06BF9122-3BBE-D84F-BC2A-023F259301BF}" srcOrd="2" destOrd="0" presId="urn:microsoft.com/office/officeart/2005/8/layout/cycle6"/>
@@ -5731,6 +6004,13 @@
         </dgm:presLayoutVars>
       </dgm:prSet>
       <dgm:spPr/>
+      <dgm:t>
+        <a:bodyPr/>
+        <a:lstStyle/>
+        <a:p>
+          <a:endParaRPr lang="en-US"/>
+        </a:p>
+      </dgm:t>
     </dgm:pt>
     <dgm:pt modelId="{F66236F2-CCFF-544B-8ECB-9A803C3970C6}" type="pres">
       <dgm:prSet presAssocID="{73073157-1720-194D-8175-22417984B65D}" presName="node" presStyleLbl="node1" presStyleIdx="0" presStyleCnt="7">
@@ -5739,6 +6019,13 @@
         </dgm:presLayoutVars>
       </dgm:prSet>
       <dgm:spPr/>
+      <dgm:t>
+        <a:bodyPr/>
+        <a:lstStyle/>
+        <a:p>
+          <a:endParaRPr lang="en-US"/>
+        </a:p>
+      </dgm:t>
     </dgm:pt>
     <dgm:pt modelId="{1968FDF7-5A5C-C645-A1BE-59E4E819AB15}" type="pres">
       <dgm:prSet presAssocID="{73073157-1720-194D-8175-22417984B65D}" presName="spNode" presStyleCnt="0"/>
@@ -5747,6 +6034,13 @@
     <dgm:pt modelId="{812D943C-B618-1B46-AB4A-7A0611219EBA}" type="pres">
       <dgm:prSet presAssocID="{55028736-D3A9-E34D-9EE9-FB4A11AD9545}" presName="sibTrans" presStyleLbl="sibTrans1D1" presStyleIdx="0" presStyleCnt="7"/>
       <dgm:spPr/>
+      <dgm:t>
+        <a:bodyPr/>
+        <a:lstStyle/>
+        <a:p>
+          <a:endParaRPr lang="en-US"/>
+        </a:p>
+      </dgm:t>
     </dgm:pt>
     <dgm:pt modelId="{28F541CC-1B33-4141-85E2-27392CA8A45C}" type="pres">
       <dgm:prSet presAssocID="{131E7DE5-70CB-DE46-9191-3DB7BB76F2A0}" presName="node" presStyleLbl="node1" presStyleIdx="1" presStyleCnt="7">
@@ -5755,6 +6049,13 @@
         </dgm:presLayoutVars>
       </dgm:prSet>
       <dgm:spPr/>
+      <dgm:t>
+        <a:bodyPr/>
+        <a:lstStyle/>
+        <a:p>
+          <a:endParaRPr lang="en-US"/>
+        </a:p>
+      </dgm:t>
     </dgm:pt>
     <dgm:pt modelId="{2919F7D2-A887-C045-9D07-5D39C526CF86}" type="pres">
       <dgm:prSet presAssocID="{131E7DE5-70CB-DE46-9191-3DB7BB76F2A0}" presName="spNode" presStyleCnt="0"/>
@@ -5763,6 +6064,13 @@
     <dgm:pt modelId="{B6D3D6C9-1270-0347-9399-F882C01264AE}" type="pres">
       <dgm:prSet presAssocID="{1B4F3C39-4DD4-D645-9CD8-6015EC23EFF6}" presName="sibTrans" presStyleLbl="sibTrans1D1" presStyleIdx="1" presStyleCnt="7"/>
       <dgm:spPr/>
+      <dgm:t>
+        <a:bodyPr/>
+        <a:lstStyle/>
+        <a:p>
+          <a:endParaRPr lang="en-US"/>
+        </a:p>
+      </dgm:t>
     </dgm:pt>
     <dgm:pt modelId="{D34AA488-D001-5445-9442-BE762EC46D8F}" type="pres">
       <dgm:prSet presAssocID="{BEEB9C8F-48AF-4E46-AF66-AEAD7A7FC794}" presName="node" presStyleLbl="node1" presStyleIdx="2" presStyleCnt="7">
@@ -5771,6 +6079,13 @@
         </dgm:presLayoutVars>
       </dgm:prSet>
       <dgm:spPr/>
+      <dgm:t>
+        <a:bodyPr/>
+        <a:lstStyle/>
+        <a:p>
+          <a:endParaRPr lang="en-US"/>
+        </a:p>
+      </dgm:t>
     </dgm:pt>
     <dgm:pt modelId="{32EE1EE9-68B8-C649-BECB-831A96E5E1AD}" type="pres">
       <dgm:prSet presAssocID="{BEEB9C8F-48AF-4E46-AF66-AEAD7A7FC794}" presName="spNode" presStyleCnt="0"/>
@@ -5779,6 +6094,13 @@
     <dgm:pt modelId="{C3FE2A2B-2F1F-1C43-A064-095DBAECFE4E}" type="pres">
       <dgm:prSet presAssocID="{38BB4829-8F75-6F4B-9782-0349F44DEFD3}" presName="sibTrans" presStyleLbl="sibTrans1D1" presStyleIdx="2" presStyleCnt="7"/>
       <dgm:spPr/>
+      <dgm:t>
+        <a:bodyPr/>
+        <a:lstStyle/>
+        <a:p>
+          <a:endParaRPr lang="en-US"/>
+        </a:p>
+      </dgm:t>
     </dgm:pt>
     <dgm:pt modelId="{FEC7D7B5-702B-3749-AA40-38A13D94974C}" type="pres">
       <dgm:prSet presAssocID="{D54682F2-60A6-724C-B1A3-2B11B3DCB8F0}" presName="node" presStyleLbl="node1" presStyleIdx="3" presStyleCnt="7">
@@ -5787,6 +6109,13 @@
         </dgm:presLayoutVars>
       </dgm:prSet>
       <dgm:spPr/>
+      <dgm:t>
+        <a:bodyPr/>
+        <a:lstStyle/>
+        <a:p>
+          <a:endParaRPr lang="en-US"/>
+        </a:p>
+      </dgm:t>
     </dgm:pt>
     <dgm:pt modelId="{DC7416C6-5EDA-2944-A4F9-AB802CC187BF}" type="pres">
       <dgm:prSet presAssocID="{D54682F2-60A6-724C-B1A3-2B11B3DCB8F0}" presName="spNode" presStyleCnt="0"/>
@@ -5795,6 +6124,13 @@
     <dgm:pt modelId="{5EDDA8AA-3893-9D45-B459-05308E9B0195}" type="pres">
       <dgm:prSet presAssocID="{FF53D43A-B64C-7F49-84AD-752068DDB9C2}" presName="sibTrans" presStyleLbl="sibTrans1D1" presStyleIdx="3" presStyleCnt="7"/>
       <dgm:spPr/>
+      <dgm:t>
+        <a:bodyPr/>
+        <a:lstStyle/>
+        <a:p>
+          <a:endParaRPr lang="en-US"/>
+        </a:p>
+      </dgm:t>
     </dgm:pt>
     <dgm:pt modelId="{97227C73-E002-BF46-A4E2-E9634E2CD784}" type="pres">
       <dgm:prSet presAssocID="{B9CD472A-C033-794C-AF79-87C4BDC949F2}" presName="node" presStyleLbl="node1" presStyleIdx="4" presStyleCnt="7">
@@ -5803,6 +6139,13 @@
         </dgm:presLayoutVars>
       </dgm:prSet>
       <dgm:spPr/>
+      <dgm:t>
+        <a:bodyPr/>
+        <a:lstStyle/>
+        <a:p>
+          <a:endParaRPr lang="en-US"/>
+        </a:p>
+      </dgm:t>
     </dgm:pt>
     <dgm:pt modelId="{3A368E5F-8F62-0D44-B4E7-1E876E70F3BC}" type="pres">
       <dgm:prSet presAssocID="{B9CD472A-C033-794C-AF79-87C4BDC949F2}" presName="spNode" presStyleCnt="0"/>
@@ -5811,6 +6154,13 @@
     <dgm:pt modelId="{611E5FC6-1EB8-4F42-A8B4-0EA873F6E761}" type="pres">
       <dgm:prSet presAssocID="{CF2EE7BE-CCE2-7F42-84C7-B181FA5C38DD}" presName="sibTrans" presStyleLbl="sibTrans1D1" presStyleIdx="4" presStyleCnt="7"/>
       <dgm:spPr/>
+      <dgm:t>
+        <a:bodyPr/>
+        <a:lstStyle/>
+        <a:p>
+          <a:endParaRPr lang="en-US"/>
+        </a:p>
+      </dgm:t>
     </dgm:pt>
     <dgm:pt modelId="{F88CF778-BF47-174B-9354-4FB846FEE018}" type="pres">
       <dgm:prSet presAssocID="{41BDBEFB-CC4F-F944-80B0-484E4841F600}" presName="node" presStyleLbl="node1" presStyleIdx="5" presStyleCnt="7">
@@ -5834,6 +6184,13 @@
     <dgm:pt modelId="{F467624E-FAC5-9046-BA3F-5683F93600BD}" type="pres">
       <dgm:prSet presAssocID="{F0300759-01AF-6245-8ED6-15D2E9542DDB}" presName="sibTrans" presStyleLbl="sibTrans1D1" presStyleIdx="5" presStyleCnt="7"/>
       <dgm:spPr/>
+      <dgm:t>
+        <a:bodyPr/>
+        <a:lstStyle/>
+        <a:p>
+          <a:endParaRPr lang="en-US"/>
+        </a:p>
+      </dgm:t>
     </dgm:pt>
     <dgm:pt modelId="{565FBD99-1740-EA4E-A72B-156CFE17356E}" type="pres">
       <dgm:prSet presAssocID="{75D934EA-5B28-BF44-826F-29390BAE213D}" presName="node" presStyleLbl="node1" presStyleIdx="6" presStyleCnt="7">
@@ -5857,31 +6214,38 @@
     <dgm:pt modelId="{6C463D62-F36E-4447-B177-08B2B090993B}" type="pres">
       <dgm:prSet presAssocID="{AFCE5913-40C3-E442-B069-6C04DFEC71A2}" presName="sibTrans" presStyleLbl="sibTrans1D1" presStyleIdx="6" presStyleCnt="7"/>
       <dgm:spPr/>
+      <dgm:t>
+        <a:bodyPr/>
+        <a:lstStyle/>
+        <a:p>
+          <a:endParaRPr lang="en-US"/>
+        </a:p>
+      </dgm:t>
     </dgm:pt>
   </dgm:ptLst>
   <dgm:cxnLst>
+    <dgm:cxn modelId="{14B92F48-34E7-8343-8327-9F5B77FD92E3}" srcId="{8BBC664C-4B9E-DB4C-BC19-E9872A9EA344}" destId="{131E7DE5-70CB-DE46-9191-3DB7BB76F2A0}" srcOrd="1" destOrd="0" parTransId="{24B24AD9-10F4-CE45-8A8E-79D551E1C380}" sibTransId="{1B4F3C39-4DD4-D645-9CD8-6015EC23EFF6}"/>
+    <dgm:cxn modelId="{5C1850C1-4B60-3C42-8C44-DBDF1558C30A}" type="presOf" srcId="{B9CD472A-C033-794C-AF79-87C4BDC949F2}" destId="{97227C73-E002-BF46-A4E2-E9634E2CD784}" srcOrd="0" destOrd="0" presId="urn:microsoft.com/office/officeart/2005/8/layout/cycle6"/>
+    <dgm:cxn modelId="{534FAFD4-54F1-5242-B5A3-10540E3A2002}" srcId="{8BBC664C-4B9E-DB4C-BC19-E9872A9EA344}" destId="{41BDBEFB-CC4F-F944-80B0-484E4841F600}" srcOrd="5" destOrd="0" parTransId="{364782C7-945F-FF4A-9D1D-EF95524C5B7D}" sibTransId="{F0300759-01AF-6245-8ED6-15D2E9542DDB}"/>
+    <dgm:cxn modelId="{B90F5CFF-FBDE-E84E-B23A-A0059FF7B89A}" type="presOf" srcId="{131E7DE5-70CB-DE46-9191-3DB7BB76F2A0}" destId="{28F541CC-1B33-4141-85E2-27392CA8A45C}" srcOrd="0" destOrd="0" presId="urn:microsoft.com/office/officeart/2005/8/layout/cycle6"/>
+    <dgm:cxn modelId="{61899C4E-F679-0A4C-A8BD-7189522D0420}" type="presOf" srcId="{CF2EE7BE-CCE2-7F42-84C7-B181FA5C38DD}" destId="{611E5FC6-1EB8-4F42-A8B4-0EA873F6E761}" srcOrd="0" destOrd="0" presId="urn:microsoft.com/office/officeart/2005/8/layout/cycle6"/>
+    <dgm:cxn modelId="{1D9B34D5-A286-C348-8F13-F1D886086B2F}" srcId="{8BBC664C-4B9E-DB4C-BC19-E9872A9EA344}" destId="{B9CD472A-C033-794C-AF79-87C4BDC949F2}" srcOrd="4" destOrd="0" parTransId="{1508AC9B-28F2-EE40-895E-9062A88D382F}" sibTransId="{CF2EE7BE-CCE2-7F42-84C7-B181FA5C38DD}"/>
+    <dgm:cxn modelId="{2E01C61A-FB57-F948-9097-A12075BB1B08}" type="presOf" srcId="{55028736-D3A9-E34D-9EE9-FB4A11AD9545}" destId="{812D943C-B618-1B46-AB4A-7A0611219EBA}" srcOrd="0" destOrd="0" presId="urn:microsoft.com/office/officeart/2005/8/layout/cycle6"/>
+    <dgm:cxn modelId="{B142D7C7-F9DA-4040-95F7-47E380F1DE89}" type="presOf" srcId="{FF53D43A-B64C-7F49-84AD-752068DDB9C2}" destId="{5EDDA8AA-3893-9D45-B459-05308E9B0195}" srcOrd="0" destOrd="0" presId="urn:microsoft.com/office/officeart/2005/8/layout/cycle6"/>
+    <dgm:cxn modelId="{4A852283-0DAE-C842-83DF-FEA4EC6C0DB8}" type="presOf" srcId="{73073157-1720-194D-8175-22417984B65D}" destId="{F66236F2-CCFF-544B-8ECB-9A803C3970C6}" srcOrd="0" destOrd="0" presId="urn:microsoft.com/office/officeart/2005/8/layout/cycle6"/>
+    <dgm:cxn modelId="{A3D6AD45-DD82-1D49-8128-70E8C02149B7}" type="presOf" srcId="{AFCE5913-40C3-E442-B069-6C04DFEC71A2}" destId="{6C463D62-F36E-4447-B177-08B2B090993B}" srcOrd="0" destOrd="0" presId="urn:microsoft.com/office/officeart/2005/8/layout/cycle6"/>
+    <dgm:cxn modelId="{45E95179-905A-164C-ACD9-B93AA6B39F9A}" type="presOf" srcId="{1B4F3C39-4DD4-D645-9CD8-6015EC23EFF6}" destId="{B6D3D6C9-1270-0347-9399-F882C01264AE}" srcOrd="0" destOrd="0" presId="urn:microsoft.com/office/officeart/2005/8/layout/cycle6"/>
+    <dgm:cxn modelId="{3DD7FCB2-EF09-DF49-ABD1-4DA529495DF9}" type="presOf" srcId="{38BB4829-8F75-6F4B-9782-0349F44DEFD3}" destId="{C3FE2A2B-2F1F-1C43-A064-095DBAECFE4E}" srcOrd="0" destOrd="0" presId="urn:microsoft.com/office/officeart/2005/8/layout/cycle6"/>
+    <dgm:cxn modelId="{4744D159-22B7-C141-B171-9E821E5BFB1C}" type="presOf" srcId="{75D934EA-5B28-BF44-826F-29390BAE213D}" destId="{565FBD99-1740-EA4E-A72B-156CFE17356E}" srcOrd="0" destOrd="0" presId="urn:microsoft.com/office/officeart/2005/8/layout/cycle6"/>
     <dgm:cxn modelId="{2E3D338B-B9CC-6B4B-A305-F8208171E242}" srcId="{8BBC664C-4B9E-DB4C-BC19-E9872A9EA344}" destId="{BEEB9C8F-48AF-4E46-AF66-AEAD7A7FC794}" srcOrd="2" destOrd="0" parTransId="{9FE1B4E5-8A3C-AC4B-962E-E5962D60908C}" sibTransId="{38BB4829-8F75-6F4B-9782-0349F44DEFD3}"/>
-    <dgm:cxn modelId="{3DD7FCB2-EF09-DF49-ABD1-4DA529495DF9}" type="presOf" srcId="{38BB4829-8F75-6F4B-9782-0349F44DEFD3}" destId="{C3FE2A2B-2F1F-1C43-A064-095DBAECFE4E}" srcOrd="0" destOrd="0" presId="urn:microsoft.com/office/officeart/2005/8/layout/cycle6"/>
-    <dgm:cxn modelId="{B90F5CFF-FBDE-E84E-B23A-A0059FF7B89A}" type="presOf" srcId="{131E7DE5-70CB-DE46-9191-3DB7BB76F2A0}" destId="{28F541CC-1B33-4141-85E2-27392CA8A45C}" srcOrd="0" destOrd="0" presId="urn:microsoft.com/office/officeart/2005/8/layout/cycle6"/>
+    <dgm:cxn modelId="{7C65969F-0361-434E-912B-679F150B32D3}" type="presOf" srcId="{8BBC664C-4B9E-DB4C-BC19-E9872A9EA344}" destId="{2133197A-C10D-2540-8921-1871846A3529}" srcOrd="0" destOrd="0" presId="urn:microsoft.com/office/officeart/2005/8/layout/cycle6"/>
+    <dgm:cxn modelId="{4F87E939-0565-CA47-9E86-F241241BB76B}" type="presOf" srcId="{F0300759-01AF-6245-8ED6-15D2E9542DDB}" destId="{F467624E-FAC5-9046-BA3F-5683F93600BD}" srcOrd="0" destOrd="0" presId="urn:microsoft.com/office/officeart/2005/8/layout/cycle6"/>
+    <dgm:cxn modelId="{1E68EA25-5599-2E40-989A-B07DDB31D1D5}" srcId="{8BBC664C-4B9E-DB4C-BC19-E9872A9EA344}" destId="{73073157-1720-194D-8175-22417984B65D}" srcOrd="0" destOrd="0" parTransId="{E4549996-212E-4C43-9531-56B25BCDDD86}" sibTransId="{55028736-D3A9-E34D-9EE9-FB4A11AD9545}"/>
     <dgm:cxn modelId="{3B5922B4-5F6A-094C-8C27-D873850BB017}" type="presOf" srcId="{BEEB9C8F-48AF-4E46-AF66-AEAD7A7FC794}" destId="{D34AA488-D001-5445-9442-BE762EC46D8F}" srcOrd="0" destOrd="0" presId="urn:microsoft.com/office/officeart/2005/8/layout/cycle6"/>
-    <dgm:cxn modelId="{534FAFD4-54F1-5242-B5A3-10540E3A2002}" srcId="{8BBC664C-4B9E-DB4C-BC19-E9872A9EA344}" destId="{41BDBEFB-CC4F-F944-80B0-484E4841F600}" srcOrd="5" destOrd="0" parTransId="{364782C7-945F-FF4A-9D1D-EF95524C5B7D}" sibTransId="{F0300759-01AF-6245-8ED6-15D2E9542DDB}"/>
-    <dgm:cxn modelId="{1E68EA25-5599-2E40-989A-B07DDB31D1D5}" srcId="{8BBC664C-4B9E-DB4C-BC19-E9872A9EA344}" destId="{73073157-1720-194D-8175-22417984B65D}" srcOrd="0" destOrd="0" parTransId="{E4549996-212E-4C43-9531-56B25BCDDD86}" sibTransId="{55028736-D3A9-E34D-9EE9-FB4A11AD9545}"/>
-    <dgm:cxn modelId="{4F87E939-0565-CA47-9E86-F241241BB76B}" type="presOf" srcId="{F0300759-01AF-6245-8ED6-15D2E9542DDB}" destId="{F467624E-FAC5-9046-BA3F-5683F93600BD}" srcOrd="0" destOrd="0" presId="urn:microsoft.com/office/officeart/2005/8/layout/cycle6"/>
-    <dgm:cxn modelId="{5C1850C1-4B60-3C42-8C44-DBDF1558C30A}" type="presOf" srcId="{B9CD472A-C033-794C-AF79-87C4BDC949F2}" destId="{97227C73-E002-BF46-A4E2-E9634E2CD784}" srcOrd="0" destOrd="0" presId="urn:microsoft.com/office/officeart/2005/8/layout/cycle6"/>
-    <dgm:cxn modelId="{B142D7C7-F9DA-4040-95F7-47E380F1DE89}" type="presOf" srcId="{FF53D43A-B64C-7F49-84AD-752068DDB9C2}" destId="{5EDDA8AA-3893-9D45-B459-05308E9B0195}" srcOrd="0" destOrd="0" presId="urn:microsoft.com/office/officeart/2005/8/layout/cycle6"/>
     <dgm:cxn modelId="{84189C4D-46F7-2F42-83B2-DBE3161B42FF}" type="presOf" srcId="{41BDBEFB-CC4F-F944-80B0-484E4841F600}" destId="{F88CF778-BF47-174B-9354-4FB846FEE018}" srcOrd="0" destOrd="0" presId="urn:microsoft.com/office/officeart/2005/8/layout/cycle6"/>
     <dgm:cxn modelId="{A7D44868-3011-5342-864C-A94E5003A765}" srcId="{8BBC664C-4B9E-DB4C-BC19-E9872A9EA344}" destId="{D54682F2-60A6-724C-B1A3-2B11B3DCB8F0}" srcOrd="3" destOrd="0" parTransId="{35FE1A16-FF09-FD4E-A44F-5C791F817A5C}" sibTransId="{FF53D43A-B64C-7F49-84AD-752068DDB9C2}"/>
-    <dgm:cxn modelId="{4A852283-0DAE-C842-83DF-FEA4EC6C0DB8}" type="presOf" srcId="{73073157-1720-194D-8175-22417984B65D}" destId="{F66236F2-CCFF-544B-8ECB-9A803C3970C6}" srcOrd="0" destOrd="0" presId="urn:microsoft.com/office/officeart/2005/8/layout/cycle6"/>
     <dgm:cxn modelId="{055488FC-D649-8448-B71D-05B025089D2F}" srcId="{8BBC664C-4B9E-DB4C-BC19-E9872A9EA344}" destId="{75D934EA-5B28-BF44-826F-29390BAE213D}" srcOrd="6" destOrd="0" parTransId="{15BD129C-2BFF-BF48-AA7E-1968D02AD66C}" sibTransId="{AFCE5913-40C3-E442-B069-6C04DFEC71A2}"/>
-    <dgm:cxn modelId="{61899C4E-F679-0A4C-A8BD-7189522D0420}" type="presOf" srcId="{CF2EE7BE-CCE2-7F42-84C7-B181FA5C38DD}" destId="{611E5FC6-1EB8-4F42-A8B4-0EA873F6E761}" srcOrd="0" destOrd="0" presId="urn:microsoft.com/office/officeart/2005/8/layout/cycle6"/>
-    <dgm:cxn modelId="{14B92F48-34E7-8343-8327-9F5B77FD92E3}" srcId="{8BBC664C-4B9E-DB4C-BC19-E9872A9EA344}" destId="{131E7DE5-70CB-DE46-9191-3DB7BB76F2A0}" srcOrd="1" destOrd="0" parTransId="{24B24AD9-10F4-CE45-8A8E-79D551E1C380}" sibTransId="{1B4F3C39-4DD4-D645-9CD8-6015EC23EFF6}"/>
-    <dgm:cxn modelId="{7C65969F-0361-434E-912B-679F150B32D3}" type="presOf" srcId="{8BBC664C-4B9E-DB4C-BC19-E9872A9EA344}" destId="{2133197A-C10D-2540-8921-1871846A3529}" srcOrd="0" destOrd="0" presId="urn:microsoft.com/office/officeart/2005/8/layout/cycle6"/>
     <dgm:cxn modelId="{36739873-90C0-4D40-B23D-ED263E9E4559}" type="presOf" srcId="{D54682F2-60A6-724C-B1A3-2B11B3DCB8F0}" destId="{FEC7D7B5-702B-3749-AA40-38A13D94974C}" srcOrd="0" destOrd="0" presId="urn:microsoft.com/office/officeart/2005/8/layout/cycle6"/>
-    <dgm:cxn modelId="{4744D159-22B7-C141-B171-9E821E5BFB1C}" type="presOf" srcId="{75D934EA-5B28-BF44-826F-29390BAE213D}" destId="{565FBD99-1740-EA4E-A72B-156CFE17356E}" srcOrd="0" destOrd="0" presId="urn:microsoft.com/office/officeart/2005/8/layout/cycle6"/>
-    <dgm:cxn modelId="{1D9B34D5-A286-C348-8F13-F1D886086B2F}" srcId="{8BBC664C-4B9E-DB4C-BC19-E9872A9EA344}" destId="{B9CD472A-C033-794C-AF79-87C4BDC949F2}" srcOrd="4" destOrd="0" parTransId="{1508AC9B-28F2-EE40-895E-9062A88D382F}" sibTransId="{CF2EE7BE-CCE2-7F42-84C7-B181FA5C38DD}"/>
-    <dgm:cxn modelId="{2E01C61A-FB57-F948-9097-A12075BB1B08}" type="presOf" srcId="{55028736-D3A9-E34D-9EE9-FB4A11AD9545}" destId="{812D943C-B618-1B46-AB4A-7A0611219EBA}" srcOrd="0" destOrd="0" presId="urn:microsoft.com/office/officeart/2005/8/layout/cycle6"/>
-    <dgm:cxn modelId="{A3D6AD45-DD82-1D49-8128-70E8C02149B7}" type="presOf" srcId="{AFCE5913-40C3-E442-B069-6C04DFEC71A2}" destId="{6C463D62-F36E-4447-B177-08B2B090993B}" srcOrd="0" destOrd="0" presId="urn:microsoft.com/office/officeart/2005/8/layout/cycle6"/>
-    <dgm:cxn modelId="{45E95179-905A-164C-ACD9-B93AA6B39F9A}" type="presOf" srcId="{1B4F3C39-4DD4-D645-9CD8-6015EC23EFF6}" destId="{B6D3D6C9-1270-0347-9399-F882C01264AE}" srcOrd="0" destOrd="0" presId="urn:microsoft.com/office/officeart/2005/8/layout/cycle6"/>
     <dgm:cxn modelId="{A7BE250E-89DE-3044-923D-F359D1958D3F}" type="presParOf" srcId="{2133197A-C10D-2540-8921-1871846A3529}" destId="{F66236F2-CCFF-544B-8ECB-9A803C3970C6}" srcOrd="0" destOrd="0" presId="urn:microsoft.com/office/officeart/2005/8/layout/cycle6"/>
     <dgm:cxn modelId="{77CE1612-D43A-2246-B978-A946E46B4CFB}" type="presParOf" srcId="{2133197A-C10D-2540-8921-1871846A3529}" destId="{1968FDF7-5A5C-C645-A1BE-59E4E819AB15}" srcOrd="1" destOrd="0" presId="urn:microsoft.com/office/officeart/2005/8/layout/cycle6"/>
     <dgm:cxn modelId="{5CEF985F-D1A9-964A-996B-25679E282AA3}" type="presParOf" srcId="{2133197A-C10D-2540-8921-1871846A3529}" destId="{812D943C-B618-1B46-AB4A-7A0611219EBA}" srcOrd="2" destOrd="0" presId="urn:microsoft.com/office/officeart/2005/8/layout/cycle6"/>
@@ -6243,6 +6607,13 @@
         </dgm:presLayoutVars>
       </dgm:prSet>
       <dgm:spPr/>
+      <dgm:t>
+        <a:bodyPr/>
+        <a:lstStyle/>
+        <a:p>
+          <a:endParaRPr lang="en-US"/>
+        </a:p>
+      </dgm:t>
     </dgm:pt>
     <dgm:pt modelId="{F66236F2-CCFF-544B-8ECB-9A803C3970C6}" type="pres">
       <dgm:prSet presAssocID="{73073157-1720-194D-8175-22417984B65D}" presName="node" presStyleLbl="node1" presStyleIdx="0" presStyleCnt="7">
@@ -6251,6 +6622,13 @@
         </dgm:presLayoutVars>
       </dgm:prSet>
       <dgm:spPr/>
+      <dgm:t>
+        <a:bodyPr/>
+        <a:lstStyle/>
+        <a:p>
+          <a:endParaRPr lang="en-US"/>
+        </a:p>
+      </dgm:t>
     </dgm:pt>
     <dgm:pt modelId="{1968FDF7-5A5C-C645-A1BE-59E4E819AB15}" type="pres">
       <dgm:prSet presAssocID="{73073157-1720-194D-8175-22417984B65D}" presName="spNode" presStyleCnt="0"/>
@@ -6259,6 +6637,13 @@
     <dgm:pt modelId="{812D943C-B618-1B46-AB4A-7A0611219EBA}" type="pres">
       <dgm:prSet presAssocID="{55028736-D3A9-E34D-9EE9-FB4A11AD9545}" presName="sibTrans" presStyleLbl="sibTrans1D1" presStyleIdx="0" presStyleCnt="7"/>
       <dgm:spPr/>
+      <dgm:t>
+        <a:bodyPr/>
+        <a:lstStyle/>
+        <a:p>
+          <a:endParaRPr lang="en-US"/>
+        </a:p>
+      </dgm:t>
     </dgm:pt>
     <dgm:pt modelId="{28F541CC-1B33-4141-85E2-27392CA8A45C}" type="pres">
       <dgm:prSet presAssocID="{131E7DE5-70CB-DE46-9191-3DB7BB76F2A0}" presName="node" presStyleLbl="node1" presStyleIdx="1" presStyleCnt="7">
@@ -6267,6 +6652,13 @@
         </dgm:presLayoutVars>
       </dgm:prSet>
       <dgm:spPr/>
+      <dgm:t>
+        <a:bodyPr/>
+        <a:lstStyle/>
+        <a:p>
+          <a:endParaRPr lang="en-US"/>
+        </a:p>
+      </dgm:t>
     </dgm:pt>
     <dgm:pt modelId="{2919F7D2-A887-C045-9D07-5D39C526CF86}" type="pres">
       <dgm:prSet presAssocID="{131E7DE5-70CB-DE46-9191-3DB7BB76F2A0}" presName="spNode" presStyleCnt="0"/>
@@ -6275,6 +6667,13 @@
     <dgm:pt modelId="{B6D3D6C9-1270-0347-9399-F882C01264AE}" type="pres">
       <dgm:prSet presAssocID="{1B4F3C39-4DD4-D645-9CD8-6015EC23EFF6}" presName="sibTrans" presStyleLbl="sibTrans1D1" presStyleIdx="1" presStyleCnt="7"/>
       <dgm:spPr/>
+      <dgm:t>
+        <a:bodyPr/>
+        <a:lstStyle/>
+        <a:p>
+          <a:endParaRPr lang="en-US"/>
+        </a:p>
+      </dgm:t>
     </dgm:pt>
     <dgm:pt modelId="{D34AA488-D001-5445-9442-BE762EC46D8F}" type="pres">
       <dgm:prSet presAssocID="{BEEB9C8F-48AF-4E46-AF66-AEAD7A7FC794}" presName="node" presStyleLbl="node1" presStyleIdx="2" presStyleCnt="7">
@@ -6283,6 +6682,13 @@
         </dgm:presLayoutVars>
       </dgm:prSet>
       <dgm:spPr/>
+      <dgm:t>
+        <a:bodyPr/>
+        <a:lstStyle/>
+        <a:p>
+          <a:endParaRPr lang="en-US"/>
+        </a:p>
+      </dgm:t>
     </dgm:pt>
     <dgm:pt modelId="{32EE1EE9-68B8-C649-BECB-831A96E5E1AD}" type="pres">
       <dgm:prSet presAssocID="{BEEB9C8F-48AF-4E46-AF66-AEAD7A7FC794}" presName="spNode" presStyleCnt="0"/>
@@ -6291,6 +6697,13 @@
     <dgm:pt modelId="{C3FE2A2B-2F1F-1C43-A064-095DBAECFE4E}" type="pres">
       <dgm:prSet presAssocID="{38BB4829-8F75-6F4B-9782-0349F44DEFD3}" presName="sibTrans" presStyleLbl="sibTrans1D1" presStyleIdx="2" presStyleCnt="7"/>
       <dgm:spPr/>
+      <dgm:t>
+        <a:bodyPr/>
+        <a:lstStyle/>
+        <a:p>
+          <a:endParaRPr lang="en-US"/>
+        </a:p>
+      </dgm:t>
     </dgm:pt>
     <dgm:pt modelId="{FEC7D7B5-702B-3749-AA40-38A13D94974C}" type="pres">
       <dgm:prSet presAssocID="{D54682F2-60A6-724C-B1A3-2B11B3DCB8F0}" presName="node" presStyleLbl="node1" presStyleIdx="3" presStyleCnt="7">
@@ -6314,6 +6727,13 @@
     <dgm:pt modelId="{5EDDA8AA-3893-9D45-B459-05308E9B0195}" type="pres">
       <dgm:prSet presAssocID="{FF53D43A-B64C-7F49-84AD-752068DDB9C2}" presName="sibTrans" presStyleLbl="sibTrans1D1" presStyleIdx="3" presStyleCnt="7"/>
       <dgm:spPr/>
+      <dgm:t>
+        <a:bodyPr/>
+        <a:lstStyle/>
+        <a:p>
+          <a:endParaRPr lang="en-US"/>
+        </a:p>
+      </dgm:t>
     </dgm:pt>
     <dgm:pt modelId="{97227C73-E002-BF46-A4E2-E9634E2CD784}" type="pres">
       <dgm:prSet presAssocID="{B9CD472A-C033-794C-AF79-87C4BDC949F2}" presName="node" presStyleLbl="node1" presStyleIdx="4" presStyleCnt="7">
@@ -6337,6 +6757,13 @@
     <dgm:pt modelId="{611E5FC6-1EB8-4F42-A8B4-0EA873F6E761}" type="pres">
       <dgm:prSet presAssocID="{CF2EE7BE-CCE2-7F42-84C7-B181FA5C38DD}" presName="sibTrans" presStyleLbl="sibTrans1D1" presStyleIdx="4" presStyleCnt="7"/>
       <dgm:spPr/>
+      <dgm:t>
+        <a:bodyPr/>
+        <a:lstStyle/>
+        <a:p>
+          <a:endParaRPr lang="en-US"/>
+        </a:p>
+      </dgm:t>
     </dgm:pt>
     <dgm:pt modelId="{F88CF778-BF47-174B-9354-4FB846FEE018}" type="pres">
       <dgm:prSet presAssocID="{41BDBEFB-CC4F-F944-80B0-484E4841F600}" presName="node" presStyleLbl="node1" presStyleIdx="5" presStyleCnt="7">
@@ -6360,6 +6787,13 @@
     <dgm:pt modelId="{F467624E-FAC5-9046-BA3F-5683F93600BD}" type="pres">
       <dgm:prSet presAssocID="{F0300759-01AF-6245-8ED6-15D2E9542DDB}" presName="sibTrans" presStyleLbl="sibTrans1D1" presStyleIdx="5" presStyleCnt="7"/>
       <dgm:spPr/>
+      <dgm:t>
+        <a:bodyPr/>
+        <a:lstStyle/>
+        <a:p>
+          <a:endParaRPr lang="en-US"/>
+        </a:p>
+      </dgm:t>
     </dgm:pt>
     <dgm:pt modelId="{565FBD99-1740-EA4E-A72B-156CFE17356E}" type="pres">
       <dgm:prSet presAssocID="{75D934EA-5B28-BF44-826F-29390BAE213D}" presName="node" presStyleLbl="node1" presStyleIdx="6" presStyleCnt="7">
@@ -6383,31 +6817,38 @@
     <dgm:pt modelId="{6C463D62-F36E-4447-B177-08B2B090993B}" type="pres">
       <dgm:prSet presAssocID="{AFCE5913-40C3-E442-B069-6C04DFEC71A2}" presName="sibTrans" presStyleLbl="sibTrans1D1" presStyleIdx="6" presStyleCnt="7"/>
       <dgm:spPr/>
+      <dgm:t>
+        <a:bodyPr/>
+        <a:lstStyle/>
+        <a:p>
+          <a:endParaRPr lang="en-US"/>
+        </a:p>
+      </dgm:t>
     </dgm:pt>
   </dgm:ptLst>
   <dgm:cxnLst>
+    <dgm:cxn modelId="{3C151B0F-1717-F14C-8700-FEB93D07C419}" type="presOf" srcId="{41BDBEFB-CC4F-F944-80B0-484E4841F600}" destId="{F88CF778-BF47-174B-9354-4FB846FEE018}" srcOrd="0" destOrd="0" presId="urn:microsoft.com/office/officeart/2005/8/layout/cycle6"/>
+    <dgm:cxn modelId="{14B92F48-34E7-8343-8327-9F5B77FD92E3}" srcId="{8BBC664C-4B9E-DB4C-BC19-E9872A9EA344}" destId="{131E7DE5-70CB-DE46-9191-3DB7BB76F2A0}" srcOrd="1" destOrd="0" parTransId="{24B24AD9-10F4-CE45-8A8E-79D551E1C380}" sibTransId="{1B4F3C39-4DD4-D645-9CD8-6015EC23EFF6}"/>
+    <dgm:cxn modelId="{A53F47B8-1B19-5D40-BF6B-44672739C807}" type="presOf" srcId="{AFCE5913-40C3-E442-B069-6C04DFEC71A2}" destId="{6C463D62-F36E-4447-B177-08B2B090993B}" srcOrd="0" destOrd="0" presId="urn:microsoft.com/office/officeart/2005/8/layout/cycle6"/>
+    <dgm:cxn modelId="{D9A85834-1452-5147-A716-814FA2651571}" type="presOf" srcId="{75D934EA-5B28-BF44-826F-29390BAE213D}" destId="{565FBD99-1740-EA4E-A72B-156CFE17356E}" srcOrd="0" destOrd="0" presId="urn:microsoft.com/office/officeart/2005/8/layout/cycle6"/>
+    <dgm:cxn modelId="{534FAFD4-54F1-5242-B5A3-10540E3A2002}" srcId="{8BBC664C-4B9E-DB4C-BC19-E9872A9EA344}" destId="{41BDBEFB-CC4F-F944-80B0-484E4841F600}" srcOrd="5" destOrd="0" parTransId="{364782C7-945F-FF4A-9D1D-EF95524C5B7D}" sibTransId="{F0300759-01AF-6245-8ED6-15D2E9542DDB}"/>
+    <dgm:cxn modelId="{ACA2E64D-A27F-F049-8D5C-8ABD7E66ED24}" type="presOf" srcId="{FF53D43A-B64C-7F49-84AD-752068DDB9C2}" destId="{5EDDA8AA-3893-9D45-B459-05308E9B0195}" srcOrd="0" destOrd="0" presId="urn:microsoft.com/office/officeart/2005/8/layout/cycle6"/>
+    <dgm:cxn modelId="{6DB9561C-10FE-894A-8536-D89967064568}" type="presOf" srcId="{73073157-1720-194D-8175-22417984B65D}" destId="{F66236F2-CCFF-544B-8ECB-9A803C3970C6}" srcOrd="0" destOrd="0" presId="urn:microsoft.com/office/officeart/2005/8/layout/cycle6"/>
+    <dgm:cxn modelId="{CEA636F4-9A68-CE45-9A91-7F92EAD8E77F}" type="presOf" srcId="{131E7DE5-70CB-DE46-9191-3DB7BB76F2A0}" destId="{28F541CC-1B33-4141-85E2-27392CA8A45C}" srcOrd="0" destOrd="0" presId="urn:microsoft.com/office/officeart/2005/8/layout/cycle6"/>
+    <dgm:cxn modelId="{83D763A6-3FEC-4E43-8687-42AB99CCEC21}" type="presOf" srcId="{1B4F3C39-4DD4-D645-9CD8-6015EC23EFF6}" destId="{B6D3D6C9-1270-0347-9399-F882C01264AE}" srcOrd="0" destOrd="0" presId="urn:microsoft.com/office/officeart/2005/8/layout/cycle6"/>
+    <dgm:cxn modelId="{1D9B34D5-A286-C348-8F13-F1D886086B2F}" srcId="{8BBC664C-4B9E-DB4C-BC19-E9872A9EA344}" destId="{B9CD472A-C033-794C-AF79-87C4BDC949F2}" srcOrd="4" destOrd="0" parTransId="{1508AC9B-28F2-EE40-895E-9062A88D382F}" sibTransId="{CF2EE7BE-CCE2-7F42-84C7-B181FA5C38DD}"/>
+    <dgm:cxn modelId="{C78BE2F6-79A5-0840-9144-7B9DB84B4EC0}" type="presOf" srcId="{F0300759-01AF-6245-8ED6-15D2E9542DDB}" destId="{F467624E-FAC5-9046-BA3F-5683F93600BD}" srcOrd="0" destOrd="0" presId="urn:microsoft.com/office/officeart/2005/8/layout/cycle6"/>
+    <dgm:cxn modelId="{4AD347BA-38E4-8A4F-9AEF-BC22997CB4B5}" type="presOf" srcId="{CF2EE7BE-CCE2-7F42-84C7-B181FA5C38DD}" destId="{611E5FC6-1EB8-4F42-A8B4-0EA873F6E761}" srcOrd="0" destOrd="0" presId="urn:microsoft.com/office/officeart/2005/8/layout/cycle6"/>
+    <dgm:cxn modelId="{E572ABF1-B84D-974B-8F49-8E92AB45E209}" type="presOf" srcId="{55028736-D3A9-E34D-9EE9-FB4A11AD9545}" destId="{812D943C-B618-1B46-AB4A-7A0611219EBA}" srcOrd="0" destOrd="0" presId="urn:microsoft.com/office/officeart/2005/8/layout/cycle6"/>
+    <dgm:cxn modelId="{2E3D338B-B9CC-6B4B-A305-F8208171E242}" srcId="{8BBC664C-4B9E-DB4C-BC19-E9872A9EA344}" destId="{BEEB9C8F-48AF-4E46-AF66-AEAD7A7FC794}" srcOrd="2" destOrd="0" parTransId="{9FE1B4E5-8A3C-AC4B-962E-E5962D60908C}" sibTransId="{38BB4829-8F75-6F4B-9782-0349F44DEFD3}"/>
+    <dgm:cxn modelId="{6F248E33-9024-F240-A974-7D7C2F9EE631}" type="presOf" srcId="{8BBC664C-4B9E-DB4C-BC19-E9872A9EA344}" destId="{2133197A-C10D-2540-8921-1871846A3529}" srcOrd="0" destOrd="0" presId="urn:microsoft.com/office/officeart/2005/8/layout/cycle6"/>
+    <dgm:cxn modelId="{690751DC-BFC0-0B44-BA1A-51F8665C4333}" type="presOf" srcId="{D54682F2-60A6-724C-B1A3-2B11B3DCB8F0}" destId="{FEC7D7B5-702B-3749-AA40-38A13D94974C}" srcOrd="0" destOrd="0" presId="urn:microsoft.com/office/officeart/2005/8/layout/cycle6"/>
     <dgm:cxn modelId="{1E68EA25-5599-2E40-989A-B07DDB31D1D5}" srcId="{8BBC664C-4B9E-DB4C-BC19-E9872A9EA344}" destId="{73073157-1720-194D-8175-22417984B65D}" srcOrd="0" destOrd="0" parTransId="{E4549996-212E-4C43-9531-56B25BCDDD86}" sibTransId="{55028736-D3A9-E34D-9EE9-FB4A11AD9545}"/>
-    <dgm:cxn modelId="{C78BE2F6-79A5-0840-9144-7B9DB84B4EC0}" type="presOf" srcId="{F0300759-01AF-6245-8ED6-15D2E9542DDB}" destId="{F467624E-FAC5-9046-BA3F-5683F93600BD}" srcOrd="0" destOrd="0" presId="urn:microsoft.com/office/officeart/2005/8/layout/cycle6"/>
-    <dgm:cxn modelId="{A53F47B8-1B19-5D40-BF6B-44672739C807}" type="presOf" srcId="{AFCE5913-40C3-E442-B069-6C04DFEC71A2}" destId="{6C463D62-F36E-4447-B177-08B2B090993B}" srcOrd="0" destOrd="0" presId="urn:microsoft.com/office/officeart/2005/8/layout/cycle6"/>
-    <dgm:cxn modelId="{ACA2E64D-A27F-F049-8D5C-8ABD7E66ED24}" type="presOf" srcId="{FF53D43A-B64C-7F49-84AD-752068DDB9C2}" destId="{5EDDA8AA-3893-9D45-B459-05308E9B0195}" srcOrd="0" destOrd="0" presId="urn:microsoft.com/office/officeart/2005/8/layout/cycle6"/>
+    <dgm:cxn modelId="{A7D44868-3011-5342-864C-A94E5003A765}" srcId="{8BBC664C-4B9E-DB4C-BC19-E9872A9EA344}" destId="{D54682F2-60A6-724C-B1A3-2B11B3DCB8F0}" srcOrd="3" destOrd="0" parTransId="{35FE1A16-FF09-FD4E-A44F-5C791F817A5C}" sibTransId="{FF53D43A-B64C-7F49-84AD-752068DDB9C2}"/>
     <dgm:cxn modelId="{43B76A9A-5C30-3842-8590-D1262C97E9D6}" type="presOf" srcId="{BEEB9C8F-48AF-4E46-AF66-AEAD7A7FC794}" destId="{D34AA488-D001-5445-9442-BE762EC46D8F}" srcOrd="0" destOrd="0" presId="urn:microsoft.com/office/officeart/2005/8/layout/cycle6"/>
+    <dgm:cxn modelId="{731E6ACE-BAD5-6B40-B4F8-3BC33930E9A1}" type="presOf" srcId="{38BB4829-8F75-6F4B-9782-0349F44DEFD3}" destId="{C3FE2A2B-2F1F-1C43-A064-095DBAECFE4E}" srcOrd="0" destOrd="0" presId="urn:microsoft.com/office/officeart/2005/8/layout/cycle6"/>
+    <dgm:cxn modelId="{055488FC-D649-8448-B71D-05B025089D2F}" srcId="{8BBC664C-4B9E-DB4C-BC19-E9872A9EA344}" destId="{75D934EA-5B28-BF44-826F-29390BAE213D}" srcOrd="6" destOrd="0" parTransId="{15BD129C-2BFF-BF48-AA7E-1968D02AD66C}" sibTransId="{AFCE5913-40C3-E442-B069-6C04DFEC71A2}"/>
     <dgm:cxn modelId="{AC01B746-293E-9744-A4ED-85F4A94087B8}" type="presOf" srcId="{B9CD472A-C033-794C-AF79-87C4BDC949F2}" destId="{97227C73-E002-BF46-A4E2-E9634E2CD784}" srcOrd="0" destOrd="0" presId="urn:microsoft.com/office/officeart/2005/8/layout/cycle6"/>
-    <dgm:cxn modelId="{731E6ACE-BAD5-6B40-B4F8-3BC33930E9A1}" type="presOf" srcId="{38BB4829-8F75-6F4B-9782-0349F44DEFD3}" destId="{C3FE2A2B-2F1F-1C43-A064-095DBAECFE4E}" srcOrd="0" destOrd="0" presId="urn:microsoft.com/office/officeart/2005/8/layout/cycle6"/>
-    <dgm:cxn modelId="{CEA636F4-9A68-CE45-9A91-7F92EAD8E77F}" type="presOf" srcId="{131E7DE5-70CB-DE46-9191-3DB7BB76F2A0}" destId="{28F541CC-1B33-4141-85E2-27392CA8A45C}" srcOrd="0" destOrd="0" presId="urn:microsoft.com/office/officeart/2005/8/layout/cycle6"/>
-    <dgm:cxn modelId="{6F248E33-9024-F240-A974-7D7C2F9EE631}" type="presOf" srcId="{8BBC664C-4B9E-DB4C-BC19-E9872A9EA344}" destId="{2133197A-C10D-2540-8921-1871846A3529}" srcOrd="0" destOrd="0" presId="urn:microsoft.com/office/officeart/2005/8/layout/cycle6"/>
-    <dgm:cxn modelId="{D9A85834-1452-5147-A716-814FA2651571}" type="presOf" srcId="{75D934EA-5B28-BF44-826F-29390BAE213D}" destId="{565FBD99-1740-EA4E-A72B-156CFE17356E}" srcOrd="0" destOrd="0" presId="urn:microsoft.com/office/officeart/2005/8/layout/cycle6"/>
-    <dgm:cxn modelId="{055488FC-D649-8448-B71D-05B025089D2F}" srcId="{8BBC664C-4B9E-DB4C-BC19-E9872A9EA344}" destId="{75D934EA-5B28-BF44-826F-29390BAE213D}" srcOrd="6" destOrd="0" parTransId="{15BD129C-2BFF-BF48-AA7E-1968D02AD66C}" sibTransId="{AFCE5913-40C3-E442-B069-6C04DFEC71A2}"/>
-    <dgm:cxn modelId="{690751DC-BFC0-0B44-BA1A-51F8665C4333}" type="presOf" srcId="{D54682F2-60A6-724C-B1A3-2B11B3DCB8F0}" destId="{FEC7D7B5-702B-3749-AA40-38A13D94974C}" srcOrd="0" destOrd="0" presId="urn:microsoft.com/office/officeart/2005/8/layout/cycle6"/>
-    <dgm:cxn modelId="{1D9B34D5-A286-C348-8F13-F1D886086B2F}" srcId="{8BBC664C-4B9E-DB4C-BC19-E9872A9EA344}" destId="{B9CD472A-C033-794C-AF79-87C4BDC949F2}" srcOrd="4" destOrd="0" parTransId="{1508AC9B-28F2-EE40-895E-9062A88D382F}" sibTransId="{CF2EE7BE-CCE2-7F42-84C7-B181FA5C38DD}"/>
-    <dgm:cxn modelId="{6DB9561C-10FE-894A-8536-D89967064568}" type="presOf" srcId="{73073157-1720-194D-8175-22417984B65D}" destId="{F66236F2-CCFF-544B-8ECB-9A803C3970C6}" srcOrd="0" destOrd="0" presId="urn:microsoft.com/office/officeart/2005/8/layout/cycle6"/>
-    <dgm:cxn modelId="{E572ABF1-B84D-974B-8F49-8E92AB45E209}" type="presOf" srcId="{55028736-D3A9-E34D-9EE9-FB4A11AD9545}" destId="{812D943C-B618-1B46-AB4A-7A0611219EBA}" srcOrd="0" destOrd="0" presId="urn:microsoft.com/office/officeart/2005/8/layout/cycle6"/>
-    <dgm:cxn modelId="{534FAFD4-54F1-5242-B5A3-10540E3A2002}" srcId="{8BBC664C-4B9E-DB4C-BC19-E9872A9EA344}" destId="{41BDBEFB-CC4F-F944-80B0-484E4841F600}" srcOrd="5" destOrd="0" parTransId="{364782C7-945F-FF4A-9D1D-EF95524C5B7D}" sibTransId="{F0300759-01AF-6245-8ED6-15D2E9542DDB}"/>
-    <dgm:cxn modelId="{A7D44868-3011-5342-864C-A94E5003A765}" srcId="{8BBC664C-4B9E-DB4C-BC19-E9872A9EA344}" destId="{D54682F2-60A6-724C-B1A3-2B11B3DCB8F0}" srcOrd="3" destOrd="0" parTransId="{35FE1A16-FF09-FD4E-A44F-5C791F817A5C}" sibTransId="{FF53D43A-B64C-7F49-84AD-752068DDB9C2}"/>
-    <dgm:cxn modelId="{83D763A6-3FEC-4E43-8687-42AB99CCEC21}" type="presOf" srcId="{1B4F3C39-4DD4-D645-9CD8-6015EC23EFF6}" destId="{B6D3D6C9-1270-0347-9399-F882C01264AE}" srcOrd="0" destOrd="0" presId="urn:microsoft.com/office/officeart/2005/8/layout/cycle6"/>
-    <dgm:cxn modelId="{3C151B0F-1717-F14C-8700-FEB93D07C419}" type="presOf" srcId="{41BDBEFB-CC4F-F944-80B0-484E4841F600}" destId="{F88CF778-BF47-174B-9354-4FB846FEE018}" srcOrd="0" destOrd="0" presId="urn:microsoft.com/office/officeart/2005/8/layout/cycle6"/>
-    <dgm:cxn modelId="{4AD347BA-38E4-8A4F-9AEF-BC22997CB4B5}" type="presOf" srcId="{CF2EE7BE-CCE2-7F42-84C7-B181FA5C38DD}" destId="{611E5FC6-1EB8-4F42-A8B4-0EA873F6E761}" srcOrd="0" destOrd="0" presId="urn:microsoft.com/office/officeart/2005/8/layout/cycle6"/>
-    <dgm:cxn modelId="{2E3D338B-B9CC-6B4B-A305-F8208171E242}" srcId="{8BBC664C-4B9E-DB4C-BC19-E9872A9EA344}" destId="{BEEB9C8F-48AF-4E46-AF66-AEAD7A7FC794}" srcOrd="2" destOrd="0" parTransId="{9FE1B4E5-8A3C-AC4B-962E-E5962D60908C}" sibTransId="{38BB4829-8F75-6F4B-9782-0349F44DEFD3}"/>
-    <dgm:cxn modelId="{14B92F48-34E7-8343-8327-9F5B77FD92E3}" srcId="{8BBC664C-4B9E-DB4C-BC19-E9872A9EA344}" destId="{131E7DE5-70CB-DE46-9191-3DB7BB76F2A0}" srcOrd="1" destOrd="0" parTransId="{24B24AD9-10F4-CE45-8A8E-79D551E1C380}" sibTransId="{1B4F3C39-4DD4-D645-9CD8-6015EC23EFF6}"/>
     <dgm:cxn modelId="{4FD0250D-34C7-4340-9680-770D72806FAE}" type="presParOf" srcId="{2133197A-C10D-2540-8921-1871846A3529}" destId="{F66236F2-CCFF-544B-8ECB-9A803C3970C6}" srcOrd="0" destOrd="0" presId="urn:microsoft.com/office/officeart/2005/8/layout/cycle6"/>
     <dgm:cxn modelId="{9F569314-7C78-214D-A05B-85918A826DC8}" type="presParOf" srcId="{2133197A-C10D-2540-8921-1871846A3529}" destId="{1968FDF7-5A5C-C645-A1BE-59E4E819AB15}" srcOrd="1" destOrd="0" presId="urn:microsoft.com/office/officeart/2005/8/layout/cycle6"/>
     <dgm:cxn modelId="{B78E33B5-BDF4-FF48-9943-3F74FAB4D0C9}" type="presParOf" srcId="{2133197A-C10D-2540-8921-1871846A3529}" destId="{812D943C-B618-1B46-AB4A-7A0611219EBA}" srcOrd="2" destOrd="0" presId="urn:microsoft.com/office/officeart/2005/8/layout/cycle6"/>
@@ -22689,12 +23130,65 @@
             </a:r>
             <a:r>
               <a:rPr lang="en-US" dirty="0"/>
-              <a:t>0.1 – 0.85 – 0.05 </a:t>
+              <a:t>0.1 – 0.85 – </a:t>
+            </a:r>
+            <a:r>
+              <a:rPr lang="en-US" dirty="0" smtClean="0"/>
+              <a:t>0.05</a:t>
+            </a:r>
+            <a:r>
+              <a:rPr lang="zh-CN" altLang="en-US" smtClean="0"/>
+              <a:t> </a:t>
+            </a:r>
+            <a:r>
+              <a:rPr lang="en-US" altLang="zh-CN" smtClean="0"/>
+              <a:t>/</a:t>
+            </a:r>
+            <a:r>
+              <a:rPr lang="zh-CN" altLang="en-US" dirty="0" smtClean="0"/>
+              <a:t> </a:t>
+            </a:r>
+            <a:r>
+              <a:rPr lang="en-US" altLang="zh-CN" dirty="0" smtClean="0"/>
+              <a:t>0.6</a:t>
+            </a:r>
+            <a:r>
+              <a:rPr lang="zh-CN" altLang="en-US" dirty="0" smtClean="0"/>
+              <a:t> </a:t>
+            </a:r>
+            <a:r>
+              <a:rPr lang="mr-IN" altLang="zh-CN" dirty="0" smtClean="0"/>
+              <a:t>–</a:t>
+            </a:r>
+            <a:r>
+              <a:rPr lang="zh-CN" altLang="en-US" dirty="0" smtClean="0"/>
+              <a:t> </a:t>
+            </a:r>
+            <a:r>
+              <a:rPr lang="en-US" altLang="zh-CN" dirty="0" smtClean="0"/>
+              <a:t>0.8</a:t>
+            </a:r>
+            <a:r>
+              <a:rPr lang="zh-CN" altLang="en-US" dirty="0" smtClean="0"/>
+              <a:t> </a:t>
+            </a:r>
+            <a:r>
+              <a:rPr lang="en-US" altLang="zh-CN" dirty="0" smtClean="0"/>
+              <a:t>-</a:t>
+            </a:r>
+            <a:r>
+              <a:rPr lang="zh-CN" altLang="en-US" dirty="0" smtClean="0"/>
+              <a:t> </a:t>
+            </a:r>
+            <a:r>
+              <a:rPr lang="en-US" altLang="zh-CN" dirty="0" smtClean="0"/>
+              <a:t>0.05</a:t>
             </a:r>
             <a:r>
               <a:rPr lang="en-US" dirty="0" smtClean="0"/>
               <a:t> </a:t>
             </a:r>
+            <a:endParaRPr lang="en-US" dirty="0" smtClean="0"/>
           </a:p>
           <a:p>
             <a:pPr lvl="1"/>
